--- a/박병근/발표/사회적기업PPT - 복사본.pptx
+++ b/박병근/발표/사회적기업PPT - 복사본.pptx
@@ -206,7 +206,7 @@
           <a:p>
             <a:fld id="{3A113A62-B23B-46C8-B1E7-D87BCF4A4604}" type="datetimeFigureOut">
               <a:rPr lang="ko-KR" altLang="en-US" smtClean="0"/>
-              <a:t>2019-01-23</a:t>
+              <a:t>2019-01-24</a:t>
             </a:fld>
             <a:endParaRPr lang="ko-KR" altLang="en-US"/>
           </a:p>
@@ -1823,7 +1823,7 @@
           <a:p>
             <a:fld id="{B4592728-E2B0-47FD-9295-D0DEEFABE108}" type="datetimeFigureOut">
               <a:rPr lang="ko-KR" altLang="en-US" smtClean="0"/>
-              <a:t>2019-01-23</a:t>
+              <a:t>2019-01-24</a:t>
             </a:fld>
             <a:endParaRPr lang="ko-KR" altLang="en-US"/>
           </a:p>
@@ -2021,7 +2021,7 @@
           <a:p>
             <a:fld id="{B4592728-E2B0-47FD-9295-D0DEEFABE108}" type="datetimeFigureOut">
               <a:rPr lang="ko-KR" altLang="en-US" smtClean="0"/>
-              <a:t>2019-01-23</a:t>
+              <a:t>2019-01-24</a:t>
             </a:fld>
             <a:endParaRPr lang="ko-KR" altLang="en-US"/>
           </a:p>
@@ -2229,7 +2229,7 @@
           <a:p>
             <a:fld id="{B4592728-E2B0-47FD-9295-D0DEEFABE108}" type="datetimeFigureOut">
               <a:rPr lang="ko-KR" altLang="en-US" smtClean="0"/>
-              <a:t>2019-01-23</a:t>
+              <a:t>2019-01-24</a:t>
             </a:fld>
             <a:endParaRPr lang="ko-KR" altLang="en-US"/>
           </a:p>
@@ -2427,7 +2427,7 @@
           <a:p>
             <a:fld id="{B4592728-E2B0-47FD-9295-D0DEEFABE108}" type="datetimeFigureOut">
               <a:rPr lang="ko-KR" altLang="en-US" smtClean="0"/>
-              <a:t>2019-01-23</a:t>
+              <a:t>2019-01-24</a:t>
             </a:fld>
             <a:endParaRPr lang="ko-KR" altLang="en-US"/>
           </a:p>
@@ -2702,7 +2702,7 @@
           <a:p>
             <a:fld id="{B4592728-E2B0-47FD-9295-D0DEEFABE108}" type="datetimeFigureOut">
               <a:rPr lang="ko-KR" altLang="en-US" smtClean="0"/>
-              <a:t>2019-01-23</a:t>
+              <a:t>2019-01-24</a:t>
             </a:fld>
             <a:endParaRPr lang="ko-KR" altLang="en-US"/>
           </a:p>
@@ -2967,7 +2967,7 @@
           <a:p>
             <a:fld id="{B4592728-E2B0-47FD-9295-D0DEEFABE108}" type="datetimeFigureOut">
               <a:rPr lang="ko-KR" altLang="en-US" smtClean="0"/>
-              <a:t>2019-01-23</a:t>
+              <a:t>2019-01-24</a:t>
             </a:fld>
             <a:endParaRPr lang="ko-KR" altLang="en-US"/>
           </a:p>
@@ -3379,7 +3379,7 @@
           <a:p>
             <a:fld id="{B4592728-E2B0-47FD-9295-D0DEEFABE108}" type="datetimeFigureOut">
               <a:rPr lang="ko-KR" altLang="en-US" smtClean="0"/>
-              <a:t>2019-01-23</a:t>
+              <a:t>2019-01-24</a:t>
             </a:fld>
             <a:endParaRPr lang="ko-KR" altLang="en-US"/>
           </a:p>
@@ -3520,7 +3520,7 @@
           <a:p>
             <a:fld id="{B4592728-E2B0-47FD-9295-D0DEEFABE108}" type="datetimeFigureOut">
               <a:rPr lang="ko-KR" altLang="en-US" smtClean="0"/>
-              <a:t>2019-01-23</a:t>
+              <a:t>2019-01-24</a:t>
             </a:fld>
             <a:endParaRPr lang="ko-KR" altLang="en-US"/>
           </a:p>
@@ -3633,7 +3633,7 @@
           <a:p>
             <a:fld id="{B4592728-E2B0-47FD-9295-D0DEEFABE108}" type="datetimeFigureOut">
               <a:rPr lang="ko-KR" altLang="en-US" smtClean="0"/>
-              <a:t>2019-01-23</a:t>
+              <a:t>2019-01-24</a:t>
             </a:fld>
             <a:endParaRPr lang="ko-KR" altLang="en-US"/>
           </a:p>
@@ -3944,7 +3944,7 @@
           <a:p>
             <a:fld id="{B4592728-E2B0-47FD-9295-D0DEEFABE108}" type="datetimeFigureOut">
               <a:rPr lang="ko-KR" altLang="en-US" smtClean="0"/>
-              <a:t>2019-01-23</a:t>
+              <a:t>2019-01-24</a:t>
             </a:fld>
             <a:endParaRPr lang="ko-KR" altLang="en-US"/>
           </a:p>
@@ -4232,7 +4232,7 @@
           <a:p>
             <a:fld id="{B4592728-E2B0-47FD-9295-D0DEEFABE108}" type="datetimeFigureOut">
               <a:rPr lang="ko-KR" altLang="en-US" smtClean="0"/>
-              <a:t>2019-01-23</a:t>
+              <a:t>2019-01-24</a:t>
             </a:fld>
             <a:endParaRPr lang="ko-KR" altLang="en-US"/>
           </a:p>
@@ -4473,7 +4473,7 @@
           <a:p>
             <a:fld id="{B4592728-E2B0-47FD-9295-D0DEEFABE108}" type="datetimeFigureOut">
               <a:rPr lang="ko-KR" altLang="en-US" smtClean="0"/>
-              <a:t>2019-01-23</a:t>
+              <a:t>2019-01-24</a:t>
             </a:fld>
             <a:endParaRPr lang="ko-KR" altLang="en-US"/>
           </a:p>
@@ -5066,7 +5066,7 @@
         </p:nvSpPr>
         <p:spPr>
           <a:xfrm>
-            <a:off x="4438690" y="2272787"/>
+            <a:off x="4438690" y="4204447"/>
             <a:ext cx="2749127" cy="1467550"/>
           </a:xfrm>
           <a:prstGeom prst="ellipse">
@@ -5122,7 +5122,7 @@
         </p:nvSpPr>
         <p:spPr>
           <a:xfrm>
-            <a:off x="2281845" y="4688541"/>
+            <a:off x="1728327" y="1690688"/>
             <a:ext cx="2642131" cy="1537447"/>
           </a:xfrm>
           <a:prstGeom prst="ellipse">
@@ -5178,7 +5178,7 @@
         </p:nvSpPr>
         <p:spPr>
           <a:xfrm>
-            <a:off x="7268024" y="4688540"/>
+            <a:off x="7288521" y="1891552"/>
             <a:ext cx="2642131" cy="1537447"/>
           </a:xfrm>
           <a:prstGeom prst="ellipse">
@@ -5234,7 +5234,7 @@
         </p:nvSpPr>
         <p:spPr>
           <a:xfrm>
-            <a:off x="4732173" y="4688540"/>
+            <a:off x="4559133" y="1603375"/>
             <a:ext cx="2642131" cy="1537447"/>
           </a:xfrm>
           <a:prstGeom prst="ellipse">

--- a/박병근/발표/사회적기업PPT - 복사본.pptx
+++ b/박병근/발표/사회적기업PPT - 복사본.pptx
@@ -5,19 +5,18 @@
     <p:sldMasterId id="2147483648" r:id="rId1"/>
   </p:sldMasterIdLst>
   <p:notesMasterIdLst>
-    <p:notesMasterId r:id="rId12"/>
+    <p:notesMasterId r:id="rId11"/>
   </p:notesMasterIdLst>
   <p:sldIdLst>
     <p:sldId id="256" r:id="rId2"/>
     <p:sldId id="257" r:id="rId3"/>
-    <p:sldId id="259" r:id="rId4"/>
-    <p:sldId id="260" r:id="rId5"/>
-    <p:sldId id="261" r:id="rId6"/>
+    <p:sldId id="258" r:id="rId4"/>
+    <p:sldId id="267" r:id="rId5"/>
+    <p:sldId id="260" r:id="rId6"/>
     <p:sldId id="262" r:id="rId7"/>
-    <p:sldId id="265" r:id="rId8"/>
+    <p:sldId id="263" r:id="rId8"/>
     <p:sldId id="266" r:id="rId9"/>
-    <p:sldId id="263" r:id="rId10"/>
-    <p:sldId id="264" r:id="rId11"/>
+    <p:sldId id="264" r:id="rId10"/>
   </p:sldIdLst>
   <p:sldSz cx="12192000" cy="6858000"/>
   <p:notesSz cx="6858000" cy="9144000"/>
@@ -124,6 +123,2010 @@
 </p:presentation>
 </file>
 
+<file path=ppt/charts/chart1.xml><?xml version="1.0" encoding="utf-8"?>
+<c:chartSpace xmlns:c="http://schemas.openxmlformats.org/drawingml/2006/chart" xmlns:a="http://schemas.openxmlformats.org/drawingml/2006/main" xmlns:r="http://schemas.openxmlformats.org/officeDocument/2006/relationships" xmlns:c16r2="http://schemas.microsoft.com/office/drawing/2015/06/chart">
+  <c:date1904 val="0"/>
+  <c:lang val="ko-KR"/>
+  <c:roundedCorners val="0"/>
+  <mc:AlternateContent xmlns:mc="http://schemas.openxmlformats.org/markup-compatibility/2006">
+    <mc:Choice xmlns:c14="http://schemas.microsoft.com/office/drawing/2007/8/2/chart" Requires="c14">
+      <c14:style val="102"/>
+    </mc:Choice>
+    <mc:Fallback>
+      <c:style val="2"/>
+    </mc:Fallback>
+  </mc:AlternateContent>
+  <c:chart>
+    <c:title>
+      <c:tx>
+        <c:rich>
+          <a:bodyPr rot="0" spcFirstLastPara="1" vertOverflow="ellipsis" vert="horz" wrap="square" anchor="ctr" anchorCtr="1"/>
+          <a:lstStyle/>
+          <a:p>
+            <a:pPr>
+              <a:defRPr sz="1862" b="0" i="0" u="sng" strike="noStrike" kern="1200" spc="0" baseline="0">
+                <a:solidFill>
+                  <a:schemeClr val="tx1">
+                    <a:lumMod val="65000"/>
+                    <a:lumOff val="35000"/>
+                  </a:schemeClr>
+                </a:solidFill>
+                <a:latin typeface="+mn-lt"/>
+                <a:ea typeface="+mn-ea"/>
+                <a:cs typeface="+mn-cs"/>
+              </a:defRPr>
+            </a:pPr>
+            <a:r>
+              <a:rPr lang="ko-KR" altLang="en-US" b="1" u="sng" dirty="0"/>
+              <a:t>외국인주민 증가 추이</a:t>
+            </a:r>
+            <a:endParaRPr lang="en-US" altLang="ko-KR" b="1" u="sng" dirty="0"/>
+          </a:p>
+        </c:rich>
+      </c:tx>
+      <c:overlay val="0"/>
+      <c:spPr>
+        <a:noFill/>
+        <a:ln>
+          <a:noFill/>
+        </a:ln>
+        <a:effectLst/>
+      </c:spPr>
+      <c:txPr>
+        <a:bodyPr rot="0" spcFirstLastPara="1" vertOverflow="ellipsis" vert="horz" wrap="square" anchor="ctr" anchorCtr="1"/>
+        <a:lstStyle/>
+        <a:p>
+          <a:pPr>
+            <a:defRPr sz="1862" b="0" i="0" u="sng" strike="noStrike" kern="1200" spc="0" baseline="0">
+              <a:solidFill>
+                <a:schemeClr val="tx1">
+                  <a:lumMod val="65000"/>
+                  <a:lumOff val="35000"/>
+                </a:schemeClr>
+              </a:solidFill>
+              <a:latin typeface="+mn-lt"/>
+              <a:ea typeface="+mn-ea"/>
+              <a:cs typeface="+mn-cs"/>
+            </a:defRPr>
+          </a:pPr>
+          <a:endParaRPr lang="ko-KR"/>
+        </a:p>
+      </c:txPr>
+    </c:title>
+    <c:autoTitleDeleted val="0"/>
+    <c:plotArea>
+      <c:layout/>
+      <c:barChart>
+        <c:barDir val="col"/>
+        <c:grouping val="clustered"/>
+        <c:varyColors val="0"/>
+        <c:ser>
+          <c:idx val="0"/>
+          <c:order val="0"/>
+          <c:tx>
+            <c:strRef>
+              <c:f>Sheet1!$B$1</c:f>
+              <c:strCache>
+                <c:ptCount val="1"/>
+                <c:pt idx="0">
+                  <c:v>외국인주민 수</c:v>
+                </c:pt>
+              </c:strCache>
+            </c:strRef>
+          </c:tx>
+          <c:spPr>
+            <a:solidFill>
+              <a:schemeClr val="accent1"/>
+            </a:solidFill>
+            <a:ln>
+              <a:noFill/>
+            </a:ln>
+            <a:effectLst/>
+          </c:spPr>
+          <c:invertIfNegative val="0"/>
+          <c:dLbls>
+            <c:spPr>
+              <a:noFill/>
+              <a:ln>
+                <a:noFill/>
+              </a:ln>
+              <a:effectLst/>
+            </c:spPr>
+            <c:txPr>
+              <a:bodyPr rot="0" spcFirstLastPara="1" vertOverflow="ellipsis" vert="horz" wrap="square" lIns="38100" tIns="19050" rIns="38100" bIns="19050" anchor="ctr" anchorCtr="1">
+                <a:spAutoFit/>
+              </a:bodyPr>
+              <a:lstStyle/>
+              <a:p>
+                <a:pPr>
+                  <a:defRPr sz="1197" b="1" i="0" u="none" strike="noStrike" kern="1200" baseline="0">
+                    <a:solidFill>
+                      <a:schemeClr val="tx1">
+                        <a:lumMod val="75000"/>
+                        <a:lumOff val="25000"/>
+                      </a:schemeClr>
+                    </a:solidFill>
+                    <a:latin typeface="+mn-lt"/>
+                    <a:ea typeface="+mn-ea"/>
+                    <a:cs typeface="+mn-cs"/>
+                  </a:defRPr>
+                </a:pPr>
+                <a:endParaRPr lang="ko-KR"/>
+              </a:p>
+            </c:txPr>
+            <c:dLblPos val="outEnd"/>
+            <c:showLegendKey val="0"/>
+            <c:showVal val="1"/>
+            <c:showCatName val="0"/>
+            <c:showSerName val="0"/>
+            <c:showPercent val="0"/>
+            <c:showBubbleSize val="0"/>
+            <c:showLeaderLines val="0"/>
+            <c:extLst>
+              <c:ext xmlns:c15="http://schemas.microsoft.com/office/drawing/2012/chart" uri="{CE6537A1-D6FC-4f65-9D91-7224C49458BB}">
+                <c15:showLeaderLines val="1"/>
+                <c15:leaderLines>
+                  <c:spPr>
+                    <a:ln w="9525" cap="flat" cmpd="sng" algn="ctr">
+                      <a:solidFill>
+                        <a:schemeClr val="tx1">
+                          <a:lumMod val="35000"/>
+                          <a:lumOff val="65000"/>
+                        </a:schemeClr>
+                      </a:solidFill>
+                      <a:round/>
+                    </a:ln>
+                    <a:effectLst/>
+                  </c:spPr>
+                </c15:leaderLines>
+              </c:ext>
+            </c:extLst>
+          </c:dLbls>
+          <c:cat>
+            <c:strRef>
+              <c:f>Sheet1!$A$2:$A$13</c:f>
+              <c:strCache>
+                <c:ptCount val="12"/>
+                <c:pt idx="0">
+                  <c:v>2006년</c:v>
+                </c:pt>
+                <c:pt idx="1">
+                  <c:v>2007년</c:v>
+                </c:pt>
+                <c:pt idx="2">
+                  <c:v>2008년</c:v>
+                </c:pt>
+                <c:pt idx="3">
+                  <c:v>2009년</c:v>
+                </c:pt>
+                <c:pt idx="4">
+                  <c:v>2010년</c:v>
+                </c:pt>
+                <c:pt idx="5">
+                  <c:v>2011년</c:v>
+                </c:pt>
+                <c:pt idx="6">
+                  <c:v>2012년</c:v>
+                </c:pt>
+                <c:pt idx="7">
+                  <c:v>2013년</c:v>
+                </c:pt>
+                <c:pt idx="8">
+                  <c:v>2014년</c:v>
+                </c:pt>
+                <c:pt idx="9">
+                  <c:v>2015년</c:v>
+                </c:pt>
+                <c:pt idx="10">
+                  <c:v>2016년</c:v>
+                </c:pt>
+                <c:pt idx="11">
+                  <c:v>2017년</c:v>
+                </c:pt>
+              </c:strCache>
+            </c:strRef>
+          </c:cat>
+          <c:val>
+            <c:numRef>
+              <c:f>Sheet1!$B$2:$B$13</c:f>
+              <c:numCache>
+                <c:formatCode>General</c:formatCode>
+                <c:ptCount val="12"/>
+                <c:pt idx="0">
+                  <c:v>54</c:v>
+                </c:pt>
+                <c:pt idx="1">
+                  <c:v>72</c:v>
+                </c:pt>
+                <c:pt idx="2">
+                  <c:v>89</c:v>
+                </c:pt>
+                <c:pt idx="3">
+                  <c:v>111</c:v>
+                </c:pt>
+                <c:pt idx="4">
+                  <c:v>114</c:v>
+                </c:pt>
+                <c:pt idx="5">
+                  <c:v>127</c:v>
+                </c:pt>
+                <c:pt idx="6">
+                  <c:v>141</c:v>
+                </c:pt>
+                <c:pt idx="7">
+                  <c:v>145</c:v>
+                </c:pt>
+                <c:pt idx="8">
+                  <c:v>157</c:v>
+                </c:pt>
+                <c:pt idx="9">
+                  <c:v>171</c:v>
+                </c:pt>
+                <c:pt idx="10">
+                  <c:v>176</c:v>
+                </c:pt>
+                <c:pt idx="11">
+                  <c:v>186</c:v>
+                </c:pt>
+              </c:numCache>
+            </c:numRef>
+          </c:val>
+          <c:extLst>
+            <c:ext xmlns:c16="http://schemas.microsoft.com/office/drawing/2014/chart" uri="{C3380CC4-5D6E-409C-BE32-E72D297353CC}">
+              <c16:uniqueId val="{00000000-2F97-4E85-A3F9-EF2968AD7F3E}"/>
+            </c:ext>
+          </c:extLst>
+        </c:ser>
+        <c:dLbls>
+          <c:showLegendKey val="0"/>
+          <c:showVal val="0"/>
+          <c:showCatName val="0"/>
+          <c:showSerName val="0"/>
+          <c:showPercent val="0"/>
+          <c:showBubbleSize val="0"/>
+        </c:dLbls>
+        <c:gapWidth val="219"/>
+        <c:overlap val="-27"/>
+        <c:axId val="379168928"/>
+        <c:axId val="379169912"/>
+      </c:barChart>
+      <c:catAx>
+        <c:axId val="379168928"/>
+        <c:scaling>
+          <c:orientation val="minMax"/>
+        </c:scaling>
+        <c:delete val="0"/>
+        <c:axPos val="b"/>
+        <c:numFmt formatCode="General" sourceLinked="1"/>
+        <c:majorTickMark val="none"/>
+        <c:minorTickMark val="none"/>
+        <c:tickLblPos val="nextTo"/>
+        <c:spPr>
+          <a:noFill/>
+          <a:ln w="9525" cap="flat" cmpd="sng" algn="ctr">
+            <a:solidFill>
+              <a:schemeClr val="tx1">
+                <a:lumMod val="15000"/>
+                <a:lumOff val="85000"/>
+              </a:schemeClr>
+            </a:solidFill>
+            <a:round/>
+          </a:ln>
+          <a:effectLst/>
+        </c:spPr>
+        <c:txPr>
+          <a:bodyPr rot="-60000000" spcFirstLastPara="1" vertOverflow="ellipsis" vert="horz" wrap="square" anchor="ctr" anchorCtr="1"/>
+          <a:lstStyle/>
+          <a:p>
+            <a:pPr>
+              <a:defRPr sz="1197" b="1" i="0" u="none" strike="noStrike" kern="1200" baseline="0">
+                <a:solidFill>
+                  <a:schemeClr val="tx1">
+                    <a:lumMod val="65000"/>
+                    <a:lumOff val="35000"/>
+                  </a:schemeClr>
+                </a:solidFill>
+                <a:latin typeface="+mn-lt"/>
+                <a:ea typeface="+mn-ea"/>
+                <a:cs typeface="+mn-cs"/>
+              </a:defRPr>
+            </a:pPr>
+            <a:endParaRPr lang="ko-KR"/>
+          </a:p>
+        </c:txPr>
+        <c:crossAx val="379169912"/>
+        <c:crosses val="autoZero"/>
+        <c:auto val="1"/>
+        <c:lblAlgn val="ctr"/>
+        <c:lblOffset val="100"/>
+        <c:noMultiLvlLbl val="0"/>
+      </c:catAx>
+      <c:valAx>
+        <c:axId val="379169912"/>
+        <c:scaling>
+          <c:orientation val="minMax"/>
+        </c:scaling>
+        <c:delete val="0"/>
+        <c:axPos val="l"/>
+        <c:majorGridlines>
+          <c:spPr>
+            <a:ln w="9525" cap="flat" cmpd="sng" algn="ctr">
+              <a:solidFill>
+                <a:schemeClr val="tx1">
+                  <a:lumMod val="15000"/>
+                  <a:lumOff val="85000"/>
+                </a:schemeClr>
+              </a:solidFill>
+              <a:round/>
+            </a:ln>
+            <a:effectLst/>
+          </c:spPr>
+        </c:majorGridlines>
+        <c:title>
+          <c:tx>
+            <c:rich>
+              <a:bodyPr rot="-5400000" spcFirstLastPara="1" vertOverflow="ellipsis" vert="horz" wrap="square" anchor="ctr" anchorCtr="1"/>
+              <a:lstStyle/>
+              <a:p>
+                <a:pPr>
+                  <a:defRPr sz="1330" b="1" i="0" u="none" strike="noStrike" kern="1200" baseline="0">
+                    <a:solidFill>
+                      <a:schemeClr val="tx1">
+                        <a:lumMod val="65000"/>
+                        <a:lumOff val="35000"/>
+                      </a:schemeClr>
+                    </a:solidFill>
+                    <a:latin typeface="+mn-lt"/>
+                    <a:ea typeface="+mn-ea"/>
+                    <a:cs typeface="+mn-cs"/>
+                  </a:defRPr>
+                </a:pPr>
+                <a:r>
+                  <a:rPr lang="en-US" altLang="ko-KR" b="1" dirty="0"/>
+                  <a:t>(</a:t>
+                </a:r>
+                <a:r>
+                  <a:rPr lang="ko-KR" altLang="en-US" b="1" dirty="0"/>
+                  <a:t>만명</a:t>
+                </a:r>
+                <a:r>
+                  <a:rPr lang="en-US" altLang="ko-KR" b="1" dirty="0"/>
+                  <a:t>)</a:t>
+                </a:r>
+                <a:endParaRPr lang="ko-KR" altLang="en-US" b="1" dirty="0"/>
+              </a:p>
+            </c:rich>
+          </c:tx>
+          <c:overlay val="0"/>
+          <c:spPr>
+            <a:noFill/>
+            <a:ln>
+              <a:noFill/>
+            </a:ln>
+            <a:effectLst/>
+          </c:spPr>
+          <c:txPr>
+            <a:bodyPr rot="-5400000" spcFirstLastPara="1" vertOverflow="ellipsis" vert="horz" wrap="square" anchor="ctr" anchorCtr="1"/>
+            <a:lstStyle/>
+            <a:p>
+              <a:pPr>
+                <a:defRPr sz="1330" b="1" i="0" u="none" strike="noStrike" kern="1200" baseline="0">
+                  <a:solidFill>
+                    <a:schemeClr val="tx1">
+                      <a:lumMod val="65000"/>
+                      <a:lumOff val="35000"/>
+                    </a:schemeClr>
+                  </a:solidFill>
+                  <a:latin typeface="+mn-lt"/>
+                  <a:ea typeface="+mn-ea"/>
+                  <a:cs typeface="+mn-cs"/>
+                </a:defRPr>
+              </a:pPr>
+              <a:endParaRPr lang="ko-KR"/>
+            </a:p>
+          </c:txPr>
+        </c:title>
+        <c:numFmt formatCode="General" sourceLinked="1"/>
+        <c:majorTickMark val="none"/>
+        <c:minorTickMark val="none"/>
+        <c:tickLblPos val="nextTo"/>
+        <c:spPr>
+          <a:noFill/>
+          <a:ln>
+            <a:noFill/>
+          </a:ln>
+          <a:effectLst/>
+        </c:spPr>
+        <c:txPr>
+          <a:bodyPr rot="-60000000" spcFirstLastPara="1" vertOverflow="ellipsis" vert="horz" wrap="square" anchor="ctr" anchorCtr="1"/>
+          <a:lstStyle/>
+          <a:p>
+            <a:pPr>
+              <a:defRPr sz="1197" b="0" i="0" u="none" strike="noStrike" kern="1200" baseline="0">
+                <a:solidFill>
+                  <a:schemeClr val="tx1">
+                    <a:lumMod val="65000"/>
+                    <a:lumOff val="35000"/>
+                  </a:schemeClr>
+                </a:solidFill>
+                <a:latin typeface="+mn-lt"/>
+                <a:ea typeface="+mn-ea"/>
+                <a:cs typeface="+mn-cs"/>
+              </a:defRPr>
+            </a:pPr>
+            <a:endParaRPr lang="ko-KR"/>
+          </a:p>
+        </c:txPr>
+        <c:crossAx val="379168928"/>
+        <c:crosses val="autoZero"/>
+        <c:crossBetween val="between"/>
+      </c:valAx>
+      <c:spPr>
+        <a:noFill/>
+        <a:ln>
+          <a:noFill/>
+        </a:ln>
+        <a:effectLst/>
+      </c:spPr>
+    </c:plotArea>
+    <c:legend>
+      <c:legendPos val="b"/>
+      <c:overlay val="0"/>
+      <c:spPr>
+        <a:noFill/>
+        <a:ln>
+          <a:noFill/>
+        </a:ln>
+        <a:effectLst/>
+      </c:spPr>
+      <c:txPr>
+        <a:bodyPr rot="0" spcFirstLastPara="1" vertOverflow="ellipsis" vert="horz" wrap="square" anchor="ctr" anchorCtr="1"/>
+        <a:lstStyle/>
+        <a:p>
+          <a:pPr>
+            <a:defRPr sz="1197" b="1" i="0" u="none" strike="noStrike" kern="1200" baseline="0">
+              <a:solidFill>
+                <a:schemeClr val="tx1">
+                  <a:lumMod val="65000"/>
+                  <a:lumOff val="35000"/>
+                </a:schemeClr>
+              </a:solidFill>
+              <a:latin typeface="+mn-lt"/>
+              <a:ea typeface="+mn-ea"/>
+              <a:cs typeface="+mn-cs"/>
+            </a:defRPr>
+          </a:pPr>
+          <a:endParaRPr lang="ko-KR"/>
+        </a:p>
+      </c:txPr>
+    </c:legend>
+    <c:plotVisOnly val="1"/>
+    <c:dispBlanksAs val="gap"/>
+    <c:extLst>
+      <c:ext xmlns:c16r3="http://schemas.microsoft.com/office/drawing/2017/03/chart" uri="{56B9EC1D-385E-4148-901F-78D8002777C0}">
+        <c16r3:dataDisplayOptions16>
+          <c16r3:dispNaAsBlank val="1"/>
+        </c16r3:dataDisplayOptions16>
+      </c:ext>
+    </c:extLst>
+    <c:showDLblsOverMax val="0"/>
+  </c:chart>
+  <c:spPr>
+    <a:noFill/>
+    <a:ln>
+      <a:noFill/>
+    </a:ln>
+    <a:effectLst/>
+  </c:spPr>
+  <c:txPr>
+    <a:bodyPr/>
+    <a:lstStyle/>
+    <a:p>
+      <a:pPr>
+        <a:defRPr/>
+      </a:pPr>
+      <a:endParaRPr lang="ko-KR"/>
+    </a:p>
+  </c:txPr>
+  <c:externalData r:id="rId3">
+    <c:autoUpdate val="0"/>
+  </c:externalData>
+</c:chartSpace>
+</file>
+
+<file path=ppt/charts/chart2.xml><?xml version="1.0" encoding="utf-8"?>
+<c:chartSpace xmlns:c="http://schemas.openxmlformats.org/drawingml/2006/chart" xmlns:a="http://schemas.openxmlformats.org/drawingml/2006/main" xmlns:r="http://schemas.openxmlformats.org/officeDocument/2006/relationships" xmlns:c16r2="http://schemas.microsoft.com/office/drawing/2015/06/chart">
+  <c:date1904 val="0"/>
+  <c:lang val="ko-KR"/>
+  <c:roundedCorners val="0"/>
+  <mc:AlternateContent xmlns:mc="http://schemas.openxmlformats.org/markup-compatibility/2006">
+    <mc:Choice xmlns:c14="http://schemas.microsoft.com/office/drawing/2007/8/2/chart" Requires="c14">
+      <c14:style val="102"/>
+    </mc:Choice>
+    <mc:Fallback>
+      <c:style val="2"/>
+    </mc:Fallback>
+  </mc:AlternateContent>
+  <c:chart>
+    <c:autoTitleDeleted val="1"/>
+    <c:plotArea>
+      <c:layout/>
+      <c:pieChart>
+        <c:varyColors val="1"/>
+        <c:ser>
+          <c:idx val="0"/>
+          <c:order val="0"/>
+          <c:tx>
+            <c:strRef>
+              <c:f>Sheet1!$B$1</c:f>
+              <c:strCache>
+                <c:ptCount val="1"/>
+                <c:pt idx="0">
+                  <c:v>외국인 집중 거주지역(경기도)</c:v>
+                </c:pt>
+              </c:strCache>
+            </c:strRef>
+          </c:tx>
+          <c:dPt>
+            <c:idx val="0"/>
+            <c:bubble3D val="0"/>
+            <c:spPr>
+              <a:solidFill>
+                <a:schemeClr val="accent2"/>
+              </a:solidFill>
+              <a:ln>
+                <a:noFill/>
+              </a:ln>
+              <a:effectLst>
+                <a:outerShdw blurRad="317500" algn="ctr" rotWithShape="0">
+                  <a:prstClr val="black">
+                    <a:alpha val="25000"/>
+                  </a:prstClr>
+                </a:outerShdw>
+              </a:effectLst>
+            </c:spPr>
+          </c:dPt>
+          <c:dPt>
+            <c:idx val="1"/>
+            <c:bubble3D val="0"/>
+            <c:spPr>
+              <a:solidFill>
+                <a:schemeClr val="accent4"/>
+              </a:solidFill>
+              <a:ln>
+                <a:noFill/>
+              </a:ln>
+              <a:effectLst>
+                <a:outerShdw blurRad="317500" algn="ctr" rotWithShape="0">
+                  <a:prstClr val="black">
+                    <a:alpha val="25000"/>
+                  </a:prstClr>
+                </a:outerShdw>
+              </a:effectLst>
+            </c:spPr>
+            <c:extLst>
+              <c:ext xmlns:c16="http://schemas.microsoft.com/office/drawing/2014/chart" uri="{C3380CC4-5D6E-409C-BE32-E72D297353CC}">
+                <c16:uniqueId val="{00000006-D918-4AE5-9394-8B89AE74722E}"/>
+              </c:ext>
+            </c:extLst>
+          </c:dPt>
+          <c:dPt>
+            <c:idx val="2"/>
+            <c:bubble3D val="0"/>
+            <c:spPr>
+              <a:solidFill>
+                <a:schemeClr val="accent6"/>
+              </a:solidFill>
+              <a:ln>
+                <a:noFill/>
+              </a:ln>
+              <a:effectLst>
+                <a:outerShdw blurRad="317500" algn="ctr" rotWithShape="0">
+                  <a:prstClr val="black">
+                    <a:alpha val="25000"/>
+                  </a:prstClr>
+                </a:outerShdw>
+              </a:effectLst>
+            </c:spPr>
+          </c:dPt>
+          <c:dPt>
+            <c:idx val="3"/>
+            <c:bubble3D val="0"/>
+            <c:spPr>
+              <a:solidFill>
+                <a:schemeClr val="accent2">
+                  <a:lumMod val="60000"/>
+                </a:schemeClr>
+              </a:solidFill>
+              <a:ln>
+                <a:noFill/>
+              </a:ln>
+              <a:effectLst>
+                <a:outerShdw blurRad="317500" algn="ctr" rotWithShape="0">
+                  <a:prstClr val="black">
+                    <a:alpha val="25000"/>
+                  </a:prstClr>
+                </a:outerShdw>
+              </a:effectLst>
+            </c:spPr>
+          </c:dPt>
+          <c:dPt>
+            <c:idx val="4"/>
+            <c:bubble3D val="0"/>
+            <c:explosion val="14"/>
+            <c:spPr>
+              <a:solidFill>
+                <a:schemeClr val="accent4">
+                  <a:lumMod val="60000"/>
+                </a:schemeClr>
+              </a:solidFill>
+              <a:ln>
+                <a:noFill/>
+              </a:ln>
+              <a:effectLst>
+                <a:outerShdw blurRad="317500" algn="ctr" rotWithShape="0">
+                  <a:prstClr val="black">
+                    <a:alpha val="25000"/>
+                  </a:prstClr>
+                </a:outerShdw>
+              </a:effectLst>
+            </c:spPr>
+            <c:extLst>
+              <c:ext xmlns:c16="http://schemas.microsoft.com/office/drawing/2014/chart" uri="{C3380CC4-5D6E-409C-BE32-E72D297353CC}">
+                <c16:uniqueId val="{00000004-D918-4AE5-9394-8B89AE74722E}"/>
+              </c:ext>
+            </c:extLst>
+          </c:dPt>
+          <c:dLbls>
+            <c:dLbl>
+              <c:idx val="4"/>
+              <c:layout>
+                <c:manualLayout>
+                  <c:x val="0.22343750000000001"/>
+                  <c:y val="-2.0666521858604707E-3"/>
+                </c:manualLayout>
+              </c:layout>
+              <c:dLblPos val="bestFit"/>
+              <c:showLegendKey val="0"/>
+              <c:showVal val="0"/>
+              <c:showCatName val="1"/>
+              <c:showSerName val="0"/>
+              <c:showPercent val="1"/>
+              <c:showBubbleSize val="0"/>
+              <c:extLst>
+                <c:ext xmlns:c15="http://schemas.microsoft.com/office/drawing/2012/chart" uri="{CE6537A1-D6FC-4f65-9D91-7224C49458BB}">
+                  <c15:layout>
+                    <c:manualLayout>
+                      <c:w val="0.299421875"/>
+                      <c:h val="0.15261336413549678"/>
+                    </c:manualLayout>
+                  </c15:layout>
+                </c:ext>
+                <c:ext xmlns:c16="http://schemas.microsoft.com/office/drawing/2014/chart" uri="{C3380CC4-5D6E-409C-BE32-E72D297353CC}">
+                  <c16:uniqueId val="{00000004-D918-4AE5-9394-8B89AE74722E}"/>
+                </c:ext>
+              </c:extLst>
+            </c:dLbl>
+            <c:spPr>
+              <a:noFill/>
+              <a:ln>
+                <a:noFill/>
+              </a:ln>
+              <a:effectLst/>
+            </c:spPr>
+            <c:txPr>
+              <a:bodyPr rot="0" spcFirstLastPara="1" vertOverflow="ellipsis" vert="horz" wrap="square" lIns="38100" tIns="19050" rIns="38100" bIns="19050" anchor="ctr" anchorCtr="1">
+                <a:spAutoFit/>
+              </a:bodyPr>
+              <a:lstStyle/>
+              <a:p>
+                <a:pPr>
+                  <a:defRPr sz="1197" b="1" i="0" u="none" strike="noStrike" kern="1200" baseline="0">
+                    <a:solidFill>
+                      <a:schemeClr val="lt1"/>
+                    </a:solidFill>
+                    <a:latin typeface="+mn-lt"/>
+                    <a:ea typeface="+mn-ea"/>
+                    <a:cs typeface="+mn-cs"/>
+                  </a:defRPr>
+                </a:pPr>
+                <a:endParaRPr lang="ko-KR"/>
+              </a:p>
+            </c:txPr>
+            <c:dLblPos val="inEnd"/>
+            <c:showLegendKey val="0"/>
+            <c:showVal val="0"/>
+            <c:showCatName val="1"/>
+            <c:showSerName val="0"/>
+            <c:showPercent val="1"/>
+            <c:showBubbleSize val="0"/>
+            <c:showLeaderLines val="1"/>
+            <c:leaderLines>
+              <c:spPr>
+                <a:ln w="9525" cap="flat" cmpd="sng" algn="ctr">
+                  <a:solidFill>
+                    <a:schemeClr val="dk1">
+                      <a:lumMod val="35000"/>
+                      <a:lumOff val="65000"/>
+                    </a:schemeClr>
+                  </a:solidFill>
+                  <a:round/>
+                </a:ln>
+                <a:effectLst/>
+              </c:spPr>
+            </c:leaderLines>
+            <c:extLst>
+              <c:ext xmlns:c15="http://schemas.microsoft.com/office/drawing/2012/chart" uri="{CE6537A1-D6FC-4f65-9D91-7224C49458BB}"/>
+            </c:extLst>
+          </c:dLbls>
+          <c:cat>
+            <c:strRef>
+              <c:f>Sheet1!$A$2:$A$6</c:f>
+              <c:strCache>
+                <c:ptCount val="5"/>
+                <c:pt idx="0">
+                  <c:v>안산시</c:v>
+                </c:pt>
+                <c:pt idx="1">
+                  <c:v>시흥시</c:v>
+                </c:pt>
+                <c:pt idx="2">
+                  <c:v>수원시</c:v>
+                </c:pt>
+                <c:pt idx="3">
+                  <c:v>화성시</c:v>
+                </c:pt>
+                <c:pt idx="4">
+                  <c:v>기타(부천, 평택 외 16개 지역)</c:v>
+                </c:pt>
+              </c:strCache>
+            </c:strRef>
+          </c:cat>
+          <c:val>
+            <c:numRef>
+              <c:f>Sheet1!$B$2:$B$6</c:f>
+              <c:numCache>
+                <c:formatCode>General</c:formatCode>
+                <c:ptCount val="5"/>
+                <c:pt idx="0">
+                  <c:v>13.6</c:v>
+                </c:pt>
+                <c:pt idx="1">
+                  <c:v>8.1999999999999993</c:v>
+                </c:pt>
+                <c:pt idx="2">
+                  <c:v>9.6</c:v>
+                </c:pt>
+                <c:pt idx="3">
+                  <c:v>8.6</c:v>
+                </c:pt>
+                <c:pt idx="4">
+                  <c:v>60</c:v>
+                </c:pt>
+              </c:numCache>
+            </c:numRef>
+          </c:val>
+          <c:extLst>
+            <c:ext xmlns:c16="http://schemas.microsoft.com/office/drawing/2014/chart" uri="{C3380CC4-5D6E-409C-BE32-E72D297353CC}">
+              <c16:uniqueId val="{00000000-D918-4AE5-9394-8B89AE74722E}"/>
+            </c:ext>
+          </c:extLst>
+        </c:ser>
+        <c:dLbls>
+          <c:dLblPos val="inEnd"/>
+          <c:showLegendKey val="0"/>
+          <c:showVal val="0"/>
+          <c:showCatName val="0"/>
+          <c:showSerName val="0"/>
+          <c:showPercent val="1"/>
+          <c:showBubbleSize val="0"/>
+          <c:showLeaderLines val="1"/>
+        </c:dLbls>
+        <c:firstSliceAng val="0"/>
+      </c:pieChart>
+      <c:spPr>
+        <a:noFill/>
+        <a:ln>
+          <a:noFill/>
+        </a:ln>
+        <a:effectLst/>
+      </c:spPr>
+    </c:plotArea>
+    <c:legend>
+      <c:legendPos val="b"/>
+      <c:overlay val="0"/>
+      <c:spPr>
+        <a:solidFill>
+          <a:schemeClr val="lt1">
+            <a:alpha val="78000"/>
+          </a:schemeClr>
+        </a:solidFill>
+        <a:ln>
+          <a:noFill/>
+        </a:ln>
+        <a:effectLst/>
+      </c:spPr>
+      <c:txPr>
+        <a:bodyPr rot="0" spcFirstLastPara="1" vertOverflow="ellipsis" vert="horz" wrap="square" anchor="ctr" anchorCtr="1"/>
+        <a:lstStyle/>
+        <a:p>
+          <a:pPr>
+            <a:defRPr sz="1197" b="0" i="0" u="none" strike="noStrike" kern="1200" baseline="0">
+              <a:solidFill>
+                <a:schemeClr val="dk1">
+                  <a:lumMod val="65000"/>
+                  <a:lumOff val="35000"/>
+                </a:schemeClr>
+              </a:solidFill>
+              <a:latin typeface="+mn-lt"/>
+              <a:ea typeface="+mn-ea"/>
+              <a:cs typeface="+mn-cs"/>
+            </a:defRPr>
+          </a:pPr>
+          <a:endParaRPr lang="ko-KR"/>
+        </a:p>
+      </c:txPr>
+    </c:legend>
+    <c:plotVisOnly val="1"/>
+    <c:dispBlanksAs val="gap"/>
+    <c:extLst>
+      <c:ext xmlns:c16r3="http://schemas.microsoft.com/office/drawing/2017/03/chart" uri="{56B9EC1D-385E-4148-901F-78D8002777C0}">
+        <c16r3:dataDisplayOptions16>
+          <c16r3:dispNaAsBlank val="1"/>
+        </c16r3:dataDisplayOptions16>
+      </c:ext>
+    </c:extLst>
+    <c:showDLblsOverMax val="0"/>
+  </c:chart>
+  <c:spPr>
+    <a:pattFill prst="dkDnDiag">
+      <a:fgClr>
+        <a:schemeClr val="lt1">
+          <a:lumMod val="95000"/>
+        </a:schemeClr>
+      </a:fgClr>
+      <a:bgClr>
+        <a:schemeClr val="lt1"/>
+      </a:bgClr>
+    </a:pattFill>
+    <a:ln w="9525" cap="flat" cmpd="sng" algn="ctr">
+      <a:solidFill>
+        <a:schemeClr val="dk1">
+          <a:lumMod val="15000"/>
+          <a:lumOff val="85000"/>
+        </a:schemeClr>
+      </a:solidFill>
+      <a:round/>
+    </a:ln>
+    <a:effectLst/>
+  </c:spPr>
+  <c:txPr>
+    <a:bodyPr/>
+    <a:lstStyle/>
+    <a:p>
+      <a:pPr>
+        <a:defRPr/>
+      </a:pPr>
+      <a:endParaRPr lang="ko-KR"/>
+    </a:p>
+  </c:txPr>
+  <c:externalData r:id="rId3">
+    <c:autoUpdate val="0"/>
+  </c:externalData>
+</c:chartSpace>
+</file>
+
+<file path=ppt/charts/colors1.xml><?xml version="1.0" encoding="utf-8"?>
+<cs:colorStyle xmlns:cs="http://schemas.microsoft.com/office/drawing/2012/chartStyle" xmlns:a="http://schemas.openxmlformats.org/drawingml/2006/main" meth="cycle" id="10">
+  <a:schemeClr val="accent1"/>
+  <a:schemeClr val="accent2"/>
+  <a:schemeClr val="accent3"/>
+  <a:schemeClr val="accent4"/>
+  <a:schemeClr val="accent5"/>
+  <a:schemeClr val="accent6"/>
+  <cs:variation/>
+  <cs:variation>
+    <a:lumMod val="60000"/>
+  </cs:variation>
+  <cs:variation>
+    <a:lumMod val="80000"/>
+    <a:lumOff val="20000"/>
+  </cs:variation>
+  <cs:variation>
+    <a:lumMod val="80000"/>
+  </cs:variation>
+  <cs:variation>
+    <a:lumMod val="60000"/>
+    <a:lumOff val="40000"/>
+  </cs:variation>
+  <cs:variation>
+    <a:lumMod val="50000"/>
+  </cs:variation>
+  <cs:variation>
+    <a:lumMod val="70000"/>
+    <a:lumOff val="30000"/>
+  </cs:variation>
+  <cs:variation>
+    <a:lumMod val="70000"/>
+  </cs:variation>
+  <cs:variation>
+    <a:lumMod val="50000"/>
+    <a:lumOff val="50000"/>
+  </cs:variation>
+</cs:colorStyle>
+</file>
+
+<file path=ppt/charts/colors2.xml><?xml version="1.0" encoding="utf-8"?>
+<cs:colorStyle xmlns:cs="http://schemas.microsoft.com/office/drawing/2012/chartStyle" xmlns:a="http://schemas.openxmlformats.org/drawingml/2006/main" meth="cycle" id="12">
+  <a:schemeClr val="accent2"/>
+  <a:schemeClr val="accent4"/>
+  <a:schemeClr val="accent6"/>
+  <cs:variation/>
+  <cs:variation>
+    <a:lumMod val="60000"/>
+  </cs:variation>
+  <cs:variation>
+    <a:lumMod val="80000"/>
+    <a:lumOff val="20000"/>
+  </cs:variation>
+  <cs:variation>
+    <a:lumMod val="80000"/>
+  </cs:variation>
+  <cs:variation>
+    <a:lumMod val="60000"/>
+    <a:lumOff val="40000"/>
+  </cs:variation>
+  <cs:variation>
+    <a:lumMod val="50000"/>
+  </cs:variation>
+  <cs:variation>
+    <a:lumMod val="70000"/>
+    <a:lumOff val="30000"/>
+  </cs:variation>
+  <cs:variation>
+    <a:lumMod val="70000"/>
+  </cs:variation>
+  <cs:variation>
+    <a:lumMod val="50000"/>
+    <a:lumOff val="50000"/>
+  </cs:variation>
+</cs:colorStyle>
+</file>
+
+<file path=ppt/charts/style1.xml><?xml version="1.0" encoding="utf-8"?>
+<cs:chartStyle xmlns:cs="http://schemas.microsoft.com/office/drawing/2012/chartStyle" xmlns:a="http://schemas.openxmlformats.org/drawingml/2006/main" id="201">
+  <cs:axisTitle>
+    <cs:lnRef idx="0"/>
+    <cs:fillRef idx="0"/>
+    <cs:effectRef idx="0"/>
+    <cs:fontRef idx="minor">
+      <a:schemeClr val="tx1">
+        <a:lumMod val="65000"/>
+        <a:lumOff val="35000"/>
+      </a:schemeClr>
+    </cs:fontRef>
+    <cs:defRPr sz="1330" kern="1200"/>
+  </cs:axisTitle>
+  <cs:categoryAxis>
+    <cs:lnRef idx="0"/>
+    <cs:fillRef idx="0"/>
+    <cs:effectRef idx="0"/>
+    <cs:fontRef idx="minor">
+      <a:schemeClr val="tx1">
+        <a:lumMod val="65000"/>
+        <a:lumOff val="35000"/>
+      </a:schemeClr>
+    </cs:fontRef>
+    <cs:spPr>
+      <a:ln w="9525" cap="flat" cmpd="sng" algn="ctr">
+        <a:solidFill>
+          <a:schemeClr val="tx1">
+            <a:lumMod val="15000"/>
+            <a:lumOff val="85000"/>
+          </a:schemeClr>
+        </a:solidFill>
+        <a:round/>
+      </a:ln>
+    </cs:spPr>
+    <cs:defRPr sz="1197" kern="1200"/>
+  </cs:categoryAxis>
+  <cs:chartArea mods="allowNoFillOverride allowNoLineOverride">
+    <cs:lnRef idx="0"/>
+    <cs:fillRef idx="0"/>
+    <cs:effectRef idx="0"/>
+    <cs:fontRef idx="minor">
+      <a:schemeClr val="tx1"/>
+    </cs:fontRef>
+    <cs:spPr>
+      <a:solidFill>
+        <a:schemeClr val="bg1"/>
+      </a:solidFill>
+      <a:ln w="9525" cap="flat" cmpd="sng" algn="ctr">
+        <a:solidFill>
+          <a:schemeClr val="tx1">
+            <a:lumMod val="15000"/>
+            <a:lumOff val="85000"/>
+          </a:schemeClr>
+        </a:solidFill>
+        <a:round/>
+      </a:ln>
+    </cs:spPr>
+    <cs:defRPr sz="1330" kern="1200"/>
+  </cs:chartArea>
+  <cs:dataLabel>
+    <cs:lnRef idx="0"/>
+    <cs:fillRef idx="0"/>
+    <cs:effectRef idx="0"/>
+    <cs:fontRef idx="minor">
+      <a:schemeClr val="tx1">
+        <a:lumMod val="75000"/>
+        <a:lumOff val="25000"/>
+      </a:schemeClr>
+    </cs:fontRef>
+    <cs:defRPr sz="1197" kern="1200"/>
+  </cs:dataLabel>
+  <cs:dataLabelCallout>
+    <cs:lnRef idx="0"/>
+    <cs:fillRef idx="0"/>
+    <cs:effectRef idx="0"/>
+    <cs:fontRef idx="minor">
+      <a:schemeClr val="dk1">
+        <a:lumMod val="65000"/>
+        <a:lumOff val="35000"/>
+      </a:schemeClr>
+    </cs:fontRef>
+    <cs:spPr>
+      <a:solidFill>
+        <a:schemeClr val="lt1"/>
+      </a:solidFill>
+      <a:ln>
+        <a:solidFill>
+          <a:schemeClr val="dk1">
+            <a:lumMod val="25000"/>
+            <a:lumOff val="75000"/>
+          </a:schemeClr>
+        </a:solidFill>
+      </a:ln>
+    </cs:spPr>
+    <cs:defRPr sz="1197" kern="1200"/>
+    <cs:bodyPr rot="0" spcFirstLastPara="1" vertOverflow="clip" horzOverflow="clip" vert="horz" wrap="square" lIns="36576" tIns="18288" rIns="36576" bIns="18288" anchor="ctr" anchorCtr="1">
+      <a:spAutoFit/>
+    </cs:bodyPr>
+  </cs:dataLabelCallout>
+  <cs:dataPoint>
+    <cs:lnRef idx="0"/>
+    <cs:fillRef idx="1">
+      <cs:styleClr val="auto"/>
+    </cs:fillRef>
+    <cs:effectRef idx="0"/>
+    <cs:fontRef idx="minor">
+      <a:schemeClr val="tx1"/>
+    </cs:fontRef>
+  </cs:dataPoint>
+  <cs:dataPoint3D>
+    <cs:lnRef idx="0"/>
+    <cs:fillRef idx="1">
+      <cs:styleClr val="auto"/>
+    </cs:fillRef>
+    <cs:effectRef idx="0"/>
+    <cs:fontRef idx="minor">
+      <a:schemeClr val="tx1"/>
+    </cs:fontRef>
+  </cs:dataPoint3D>
+  <cs:dataPointLine>
+    <cs:lnRef idx="0">
+      <cs:styleClr val="auto"/>
+    </cs:lnRef>
+    <cs:fillRef idx="1"/>
+    <cs:effectRef idx="0"/>
+    <cs:fontRef idx="minor">
+      <a:schemeClr val="tx1"/>
+    </cs:fontRef>
+    <cs:spPr>
+      <a:ln w="28575" cap="rnd">
+        <a:solidFill>
+          <a:schemeClr val="phClr"/>
+        </a:solidFill>
+        <a:round/>
+      </a:ln>
+    </cs:spPr>
+  </cs:dataPointLine>
+  <cs:dataPointMarker>
+    <cs:lnRef idx="0">
+      <cs:styleClr val="auto"/>
+    </cs:lnRef>
+    <cs:fillRef idx="1">
+      <cs:styleClr val="auto"/>
+    </cs:fillRef>
+    <cs:effectRef idx="0"/>
+    <cs:fontRef idx="minor">
+      <a:schemeClr val="tx1"/>
+    </cs:fontRef>
+    <cs:spPr>
+      <a:ln w="9525">
+        <a:solidFill>
+          <a:schemeClr val="phClr"/>
+        </a:solidFill>
+      </a:ln>
+    </cs:spPr>
+  </cs:dataPointMarker>
+  <cs:dataPointMarkerLayout symbol="circle" size="5"/>
+  <cs:dataPointWireframe>
+    <cs:lnRef idx="0">
+      <cs:styleClr val="auto"/>
+    </cs:lnRef>
+    <cs:fillRef idx="1"/>
+    <cs:effectRef idx="0"/>
+    <cs:fontRef idx="minor">
+      <a:schemeClr val="tx1"/>
+    </cs:fontRef>
+    <cs:spPr>
+      <a:ln w="9525" cap="rnd">
+        <a:solidFill>
+          <a:schemeClr val="phClr"/>
+        </a:solidFill>
+        <a:round/>
+      </a:ln>
+    </cs:spPr>
+  </cs:dataPointWireframe>
+  <cs:dataTable>
+    <cs:lnRef idx="0"/>
+    <cs:fillRef idx="0"/>
+    <cs:effectRef idx="0"/>
+    <cs:fontRef idx="minor">
+      <a:schemeClr val="tx1">
+        <a:lumMod val="65000"/>
+        <a:lumOff val="35000"/>
+      </a:schemeClr>
+    </cs:fontRef>
+    <cs:spPr>
+      <a:noFill/>
+      <a:ln w="9525" cap="flat" cmpd="sng" algn="ctr">
+        <a:solidFill>
+          <a:schemeClr val="tx1">
+            <a:lumMod val="15000"/>
+            <a:lumOff val="85000"/>
+          </a:schemeClr>
+        </a:solidFill>
+        <a:round/>
+      </a:ln>
+    </cs:spPr>
+    <cs:defRPr sz="1197" kern="1200"/>
+  </cs:dataTable>
+  <cs:downBar>
+    <cs:lnRef idx="0"/>
+    <cs:fillRef idx="0"/>
+    <cs:effectRef idx="0"/>
+    <cs:fontRef idx="minor">
+      <a:schemeClr val="dk1"/>
+    </cs:fontRef>
+    <cs:spPr>
+      <a:solidFill>
+        <a:schemeClr val="dk1">
+          <a:lumMod val="65000"/>
+          <a:lumOff val="35000"/>
+        </a:schemeClr>
+      </a:solidFill>
+      <a:ln w="9525">
+        <a:solidFill>
+          <a:schemeClr val="tx1">
+            <a:lumMod val="65000"/>
+            <a:lumOff val="35000"/>
+          </a:schemeClr>
+        </a:solidFill>
+      </a:ln>
+    </cs:spPr>
+  </cs:downBar>
+  <cs:dropLine>
+    <cs:lnRef idx="0"/>
+    <cs:fillRef idx="0"/>
+    <cs:effectRef idx="0"/>
+    <cs:fontRef idx="minor">
+      <a:schemeClr val="tx1"/>
+    </cs:fontRef>
+    <cs:spPr>
+      <a:ln w="9525" cap="flat" cmpd="sng" algn="ctr">
+        <a:solidFill>
+          <a:schemeClr val="tx1">
+            <a:lumMod val="35000"/>
+            <a:lumOff val="65000"/>
+          </a:schemeClr>
+        </a:solidFill>
+        <a:round/>
+      </a:ln>
+    </cs:spPr>
+  </cs:dropLine>
+  <cs:errorBar>
+    <cs:lnRef idx="0"/>
+    <cs:fillRef idx="0"/>
+    <cs:effectRef idx="0"/>
+    <cs:fontRef idx="minor">
+      <a:schemeClr val="tx1"/>
+    </cs:fontRef>
+    <cs:spPr>
+      <a:ln w="9525" cap="flat" cmpd="sng" algn="ctr">
+        <a:solidFill>
+          <a:schemeClr val="tx1">
+            <a:lumMod val="65000"/>
+            <a:lumOff val="35000"/>
+          </a:schemeClr>
+        </a:solidFill>
+        <a:round/>
+      </a:ln>
+    </cs:spPr>
+  </cs:errorBar>
+  <cs:floor>
+    <cs:lnRef idx="0"/>
+    <cs:fillRef idx="0"/>
+    <cs:effectRef idx="0"/>
+    <cs:fontRef idx="minor">
+      <a:schemeClr val="tx1"/>
+    </cs:fontRef>
+    <cs:spPr>
+      <a:noFill/>
+      <a:ln>
+        <a:noFill/>
+      </a:ln>
+    </cs:spPr>
+  </cs:floor>
+  <cs:gridlineMajor>
+    <cs:lnRef idx="0"/>
+    <cs:fillRef idx="0"/>
+    <cs:effectRef idx="0"/>
+    <cs:fontRef idx="minor">
+      <a:schemeClr val="tx1"/>
+    </cs:fontRef>
+    <cs:spPr>
+      <a:ln w="9525" cap="flat" cmpd="sng" algn="ctr">
+        <a:solidFill>
+          <a:schemeClr val="tx1">
+            <a:lumMod val="15000"/>
+            <a:lumOff val="85000"/>
+          </a:schemeClr>
+        </a:solidFill>
+        <a:round/>
+      </a:ln>
+    </cs:spPr>
+  </cs:gridlineMajor>
+  <cs:gridlineMinor>
+    <cs:lnRef idx="0"/>
+    <cs:fillRef idx="0"/>
+    <cs:effectRef idx="0"/>
+    <cs:fontRef idx="minor">
+      <a:schemeClr val="tx1"/>
+    </cs:fontRef>
+    <cs:spPr>
+      <a:ln w="9525" cap="flat" cmpd="sng" algn="ctr">
+        <a:solidFill>
+          <a:schemeClr val="tx1">
+            <a:lumMod val="5000"/>
+            <a:lumOff val="95000"/>
+          </a:schemeClr>
+        </a:solidFill>
+        <a:round/>
+      </a:ln>
+    </cs:spPr>
+  </cs:gridlineMinor>
+  <cs:hiLoLine>
+    <cs:lnRef idx="0"/>
+    <cs:fillRef idx="0"/>
+    <cs:effectRef idx="0"/>
+    <cs:fontRef idx="minor">
+      <a:schemeClr val="tx1"/>
+    </cs:fontRef>
+    <cs:spPr>
+      <a:ln w="9525" cap="flat" cmpd="sng" algn="ctr">
+        <a:solidFill>
+          <a:schemeClr val="tx1">
+            <a:lumMod val="75000"/>
+            <a:lumOff val="25000"/>
+          </a:schemeClr>
+        </a:solidFill>
+        <a:round/>
+      </a:ln>
+    </cs:spPr>
+  </cs:hiLoLine>
+  <cs:leaderLine>
+    <cs:lnRef idx="0"/>
+    <cs:fillRef idx="0"/>
+    <cs:effectRef idx="0"/>
+    <cs:fontRef idx="minor">
+      <a:schemeClr val="tx1"/>
+    </cs:fontRef>
+    <cs:spPr>
+      <a:ln w="9525" cap="flat" cmpd="sng" algn="ctr">
+        <a:solidFill>
+          <a:schemeClr val="tx1">
+            <a:lumMod val="35000"/>
+            <a:lumOff val="65000"/>
+          </a:schemeClr>
+        </a:solidFill>
+        <a:round/>
+      </a:ln>
+    </cs:spPr>
+  </cs:leaderLine>
+  <cs:legend>
+    <cs:lnRef idx="0"/>
+    <cs:fillRef idx="0"/>
+    <cs:effectRef idx="0"/>
+    <cs:fontRef idx="minor">
+      <a:schemeClr val="tx1">
+        <a:lumMod val="65000"/>
+        <a:lumOff val="35000"/>
+      </a:schemeClr>
+    </cs:fontRef>
+    <cs:defRPr sz="1197" kern="1200"/>
+  </cs:legend>
+  <cs:plotArea mods="allowNoFillOverride allowNoLineOverride">
+    <cs:lnRef idx="0"/>
+    <cs:fillRef idx="0"/>
+    <cs:effectRef idx="0"/>
+    <cs:fontRef idx="minor">
+      <a:schemeClr val="tx1"/>
+    </cs:fontRef>
+  </cs:plotArea>
+  <cs:plotArea3D mods="allowNoFillOverride allowNoLineOverride">
+    <cs:lnRef idx="0"/>
+    <cs:fillRef idx="0"/>
+    <cs:effectRef idx="0"/>
+    <cs:fontRef idx="minor">
+      <a:schemeClr val="tx1"/>
+    </cs:fontRef>
+  </cs:plotArea3D>
+  <cs:seriesAxis>
+    <cs:lnRef idx="0"/>
+    <cs:fillRef idx="0"/>
+    <cs:effectRef idx="0"/>
+    <cs:fontRef idx="minor">
+      <a:schemeClr val="tx1">
+        <a:lumMod val="65000"/>
+        <a:lumOff val="35000"/>
+      </a:schemeClr>
+    </cs:fontRef>
+    <cs:defRPr sz="1197" kern="1200"/>
+  </cs:seriesAxis>
+  <cs:seriesLine>
+    <cs:lnRef idx="0"/>
+    <cs:fillRef idx="0"/>
+    <cs:effectRef idx="0"/>
+    <cs:fontRef idx="minor">
+      <a:schemeClr val="tx1"/>
+    </cs:fontRef>
+    <cs:spPr>
+      <a:ln w="9525" cap="flat" cmpd="sng" algn="ctr">
+        <a:solidFill>
+          <a:schemeClr val="tx1">
+            <a:lumMod val="35000"/>
+            <a:lumOff val="65000"/>
+          </a:schemeClr>
+        </a:solidFill>
+        <a:round/>
+      </a:ln>
+    </cs:spPr>
+  </cs:seriesLine>
+  <cs:title>
+    <cs:lnRef idx="0"/>
+    <cs:fillRef idx="0"/>
+    <cs:effectRef idx="0"/>
+    <cs:fontRef idx="minor">
+      <a:schemeClr val="tx1">
+        <a:lumMod val="65000"/>
+        <a:lumOff val="35000"/>
+      </a:schemeClr>
+    </cs:fontRef>
+    <cs:defRPr sz="1862" b="0" kern="1200" spc="0" baseline="0"/>
+  </cs:title>
+  <cs:trendline>
+    <cs:lnRef idx="0">
+      <cs:styleClr val="auto"/>
+    </cs:lnRef>
+    <cs:fillRef idx="0"/>
+    <cs:effectRef idx="0"/>
+    <cs:fontRef idx="minor">
+      <a:schemeClr val="tx1"/>
+    </cs:fontRef>
+    <cs:spPr>
+      <a:ln w="19050" cap="rnd">
+        <a:solidFill>
+          <a:schemeClr val="phClr"/>
+        </a:solidFill>
+        <a:prstDash val="sysDot"/>
+      </a:ln>
+    </cs:spPr>
+  </cs:trendline>
+  <cs:trendlineLabel>
+    <cs:lnRef idx="0"/>
+    <cs:fillRef idx="0"/>
+    <cs:effectRef idx="0"/>
+    <cs:fontRef idx="minor">
+      <a:schemeClr val="tx1">
+        <a:lumMod val="65000"/>
+        <a:lumOff val="35000"/>
+      </a:schemeClr>
+    </cs:fontRef>
+    <cs:defRPr sz="1197" kern="1200"/>
+  </cs:trendlineLabel>
+  <cs:upBar>
+    <cs:lnRef idx="0"/>
+    <cs:fillRef idx="0"/>
+    <cs:effectRef idx="0"/>
+    <cs:fontRef idx="minor">
+      <a:schemeClr val="dk1"/>
+    </cs:fontRef>
+    <cs:spPr>
+      <a:solidFill>
+        <a:schemeClr val="lt1"/>
+      </a:solidFill>
+      <a:ln w="9525">
+        <a:solidFill>
+          <a:schemeClr val="tx1">
+            <a:lumMod val="15000"/>
+            <a:lumOff val="85000"/>
+          </a:schemeClr>
+        </a:solidFill>
+      </a:ln>
+    </cs:spPr>
+  </cs:upBar>
+  <cs:valueAxis>
+    <cs:lnRef idx="0"/>
+    <cs:fillRef idx="0"/>
+    <cs:effectRef idx="0"/>
+    <cs:fontRef idx="minor">
+      <a:schemeClr val="tx1">
+        <a:lumMod val="65000"/>
+        <a:lumOff val="35000"/>
+      </a:schemeClr>
+    </cs:fontRef>
+    <cs:defRPr sz="1197" kern="1200"/>
+  </cs:valueAxis>
+  <cs:wall>
+    <cs:lnRef idx="0"/>
+    <cs:fillRef idx="0"/>
+    <cs:effectRef idx="0"/>
+    <cs:fontRef idx="minor">
+      <a:schemeClr val="tx1"/>
+    </cs:fontRef>
+    <cs:spPr>
+      <a:noFill/>
+      <a:ln>
+        <a:noFill/>
+      </a:ln>
+    </cs:spPr>
+  </cs:wall>
+</cs:chartStyle>
+</file>
+
+<file path=ppt/charts/style2.xml><?xml version="1.0" encoding="utf-8"?>
+<cs:chartStyle xmlns:cs="http://schemas.microsoft.com/office/drawing/2012/chartStyle" xmlns:a="http://schemas.openxmlformats.org/drawingml/2006/main" id="261">
+  <cs:axisTitle>
+    <cs:lnRef idx="0"/>
+    <cs:fillRef idx="0"/>
+    <cs:effectRef idx="0"/>
+    <cs:fontRef idx="minor">
+      <a:schemeClr val="dk1">
+        <a:lumMod val="65000"/>
+        <a:lumOff val="35000"/>
+      </a:schemeClr>
+    </cs:fontRef>
+    <cs:defRPr sz="1197" kern="1200"/>
+  </cs:axisTitle>
+  <cs:categoryAxis>
+    <cs:lnRef idx="0"/>
+    <cs:fillRef idx="0"/>
+    <cs:effectRef idx="0"/>
+    <cs:fontRef idx="minor">
+      <a:schemeClr val="dk1">
+        <a:lumMod val="65000"/>
+        <a:lumOff val="35000"/>
+      </a:schemeClr>
+    </cs:fontRef>
+    <cs:defRPr sz="1197" kern="1200"/>
+  </cs:categoryAxis>
+  <cs:chartArea>
+    <cs:lnRef idx="0"/>
+    <cs:fillRef idx="0"/>
+    <cs:effectRef idx="0"/>
+    <cs:fontRef idx="minor">
+      <a:schemeClr val="dk1"/>
+    </cs:fontRef>
+    <cs:spPr>
+      <a:pattFill prst="dkDnDiag">
+        <a:fgClr>
+          <a:schemeClr val="lt1">
+            <a:lumMod val="95000"/>
+          </a:schemeClr>
+        </a:fgClr>
+        <a:bgClr>
+          <a:schemeClr val="lt1"/>
+        </a:bgClr>
+      </a:pattFill>
+      <a:ln w="9525" cap="flat" cmpd="sng" algn="ctr">
+        <a:solidFill>
+          <a:schemeClr val="dk1">
+            <a:lumMod val="15000"/>
+            <a:lumOff val="85000"/>
+          </a:schemeClr>
+        </a:solidFill>
+        <a:round/>
+      </a:ln>
+    </cs:spPr>
+    <cs:defRPr sz="1197" kern="1200"/>
+  </cs:chartArea>
+  <cs:dataLabel>
+    <cs:lnRef idx="0"/>
+    <cs:fillRef idx="0"/>
+    <cs:effectRef idx="0"/>
+    <cs:fontRef idx="minor">
+      <a:schemeClr val="lt1"/>
+    </cs:fontRef>
+    <cs:defRPr sz="1197" b="1" i="0" u="none" strike="noStrike" kern="1200" baseline="0"/>
+  </cs:dataLabel>
+  <cs:dataLabelCallout>
+    <cs:lnRef idx="0"/>
+    <cs:fillRef idx="0"/>
+    <cs:effectRef idx="0"/>
+    <cs:fontRef idx="minor">
+      <a:schemeClr val="dk1">
+        <a:lumMod val="65000"/>
+        <a:lumOff val="35000"/>
+      </a:schemeClr>
+    </cs:fontRef>
+    <cs:spPr>
+      <a:solidFill>
+        <a:schemeClr val="lt1">
+          <a:alpha val="75000"/>
+        </a:schemeClr>
+      </a:solidFill>
+      <a:ln w="9525">
+        <a:solidFill>
+          <a:schemeClr val="dk1">
+            <a:lumMod val="25000"/>
+            <a:lumOff val="75000"/>
+          </a:schemeClr>
+        </a:solidFill>
+      </a:ln>
+    </cs:spPr>
+    <cs:defRPr sz="1197" kern="1200"/>
+    <cs:bodyPr rot="0" spcFirstLastPara="1" vertOverflow="clip" horzOverflow="clip" vert="horz" wrap="square" lIns="36576" tIns="18288" rIns="36576" bIns="18288" anchor="ctr" anchorCtr="1">
+      <a:spAutoFit/>
+    </cs:bodyPr>
+  </cs:dataLabelCallout>
+  <cs:dataPoint>
+    <cs:lnRef idx="0"/>
+    <cs:fillRef idx="0">
+      <cs:styleClr val="auto"/>
+    </cs:fillRef>
+    <cs:effectRef idx="0"/>
+    <cs:fontRef idx="minor">
+      <a:schemeClr val="dk1"/>
+    </cs:fontRef>
+    <cs:spPr>
+      <a:solidFill>
+        <a:schemeClr val="phClr"/>
+      </a:solidFill>
+      <a:effectLst>
+        <a:outerShdw blurRad="317500" algn="ctr" rotWithShape="0">
+          <a:prstClr val="black">
+            <a:alpha val="25000"/>
+          </a:prstClr>
+        </a:outerShdw>
+      </a:effectLst>
+    </cs:spPr>
+  </cs:dataPoint>
+  <cs:dataPoint3D>
+    <cs:lnRef idx="0"/>
+    <cs:fillRef idx="0">
+      <cs:styleClr val="auto"/>
+    </cs:fillRef>
+    <cs:effectRef idx="0"/>
+    <cs:fontRef idx="minor">
+      <a:schemeClr val="dk1"/>
+    </cs:fontRef>
+    <cs:spPr>
+      <a:solidFill>
+        <a:schemeClr val="phClr"/>
+      </a:solidFill>
+      <a:effectLst>
+        <a:outerShdw blurRad="88900" sx="102000" sy="102000" algn="ctr" rotWithShape="0">
+          <a:prstClr val="black">
+            <a:alpha val="20000"/>
+          </a:prstClr>
+        </a:outerShdw>
+      </a:effectLst>
+      <a:scene3d>
+        <a:camera prst="orthographicFront"/>
+        <a:lightRig rig="threePt" dir="t"/>
+      </a:scene3d>
+      <a:sp3d prstMaterial="matte"/>
+    </cs:spPr>
+  </cs:dataPoint3D>
+  <cs:dataPointLine>
+    <cs:lnRef idx="0">
+      <cs:styleClr val="auto"/>
+    </cs:lnRef>
+    <cs:fillRef idx="0"/>
+    <cs:effectRef idx="0"/>
+    <cs:fontRef idx="minor">
+      <a:schemeClr val="dk1"/>
+    </cs:fontRef>
+    <cs:spPr>
+      <a:ln w="28575" cap="rnd">
+        <a:solidFill>
+          <a:schemeClr val="phClr"/>
+        </a:solidFill>
+        <a:round/>
+      </a:ln>
+    </cs:spPr>
+  </cs:dataPointLine>
+  <cs:dataPointMarker>
+    <cs:lnRef idx="0"/>
+    <cs:fillRef idx="0">
+      <cs:styleClr val="auto"/>
+    </cs:fillRef>
+    <cs:effectRef idx="0"/>
+    <cs:fontRef idx="minor">
+      <a:schemeClr val="dk1"/>
+    </cs:fontRef>
+    <cs:spPr>
+      <a:solidFill>
+        <a:schemeClr val="phClr"/>
+      </a:solidFill>
+      <a:ln w="9525">
+        <a:solidFill>
+          <a:schemeClr val="lt1"/>
+        </a:solidFill>
+      </a:ln>
+    </cs:spPr>
+  </cs:dataPointMarker>
+  <cs:dataPointMarkerLayout symbol="circle" size="6"/>
+  <cs:dataPointWireframe>
+    <cs:lnRef idx="0">
+      <cs:styleClr val="auto"/>
+    </cs:lnRef>
+    <cs:fillRef idx="0"/>
+    <cs:effectRef idx="0"/>
+    <cs:fontRef idx="minor">
+      <a:schemeClr val="dk1"/>
+    </cs:fontRef>
+    <cs:spPr>
+      <a:ln w="9525" cap="rnd">
+        <a:solidFill>
+          <a:schemeClr val="phClr"/>
+        </a:solidFill>
+        <a:round/>
+      </a:ln>
+    </cs:spPr>
+  </cs:dataPointWireframe>
+  <cs:dataTable>
+    <cs:lnRef idx="0"/>
+    <cs:fillRef idx="0"/>
+    <cs:effectRef idx="0"/>
+    <cs:fontRef idx="minor">
+      <a:schemeClr val="dk1">
+        <a:lumMod val="65000"/>
+        <a:lumOff val="35000"/>
+      </a:schemeClr>
+    </cs:fontRef>
+    <cs:spPr>
+      <a:noFill/>
+      <a:ln w="9525" cap="flat" cmpd="sng" algn="ctr">
+        <a:solidFill>
+          <a:schemeClr val="dk1">
+            <a:lumMod val="15000"/>
+            <a:lumOff val="85000"/>
+          </a:schemeClr>
+        </a:solidFill>
+        <a:round/>
+      </a:ln>
+    </cs:spPr>
+    <cs:defRPr sz="1197" kern="1200"/>
+  </cs:dataTable>
+  <cs:downBar>
+    <cs:lnRef idx="0"/>
+    <cs:fillRef idx="0"/>
+    <cs:effectRef idx="0"/>
+    <cs:fontRef idx="minor">
+      <a:schemeClr val="dk1"/>
+    </cs:fontRef>
+    <cs:spPr>
+      <a:solidFill>
+        <a:schemeClr val="dk1">
+          <a:lumMod val="75000"/>
+          <a:lumOff val="25000"/>
+        </a:schemeClr>
+      </a:solidFill>
+      <a:ln w="9525" cap="flat" cmpd="sng" algn="ctr">
+        <a:solidFill>
+          <a:schemeClr val="dk1">
+            <a:lumMod val="65000"/>
+            <a:lumOff val="35000"/>
+          </a:schemeClr>
+        </a:solidFill>
+        <a:round/>
+      </a:ln>
+    </cs:spPr>
+  </cs:downBar>
+  <cs:dropLine>
+    <cs:lnRef idx="0"/>
+    <cs:fillRef idx="0"/>
+    <cs:effectRef idx="0"/>
+    <cs:fontRef idx="minor">
+      <a:schemeClr val="dk1"/>
+    </cs:fontRef>
+    <cs:spPr>
+      <a:ln w="9525" cap="flat" cmpd="sng" algn="ctr">
+        <a:solidFill>
+          <a:schemeClr val="dk1">
+            <a:lumMod val="35000"/>
+            <a:lumOff val="65000"/>
+          </a:schemeClr>
+        </a:solidFill>
+        <a:round/>
+      </a:ln>
+    </cs:spPr>
+  </cs:dropLine>
+  <cs:errorBar>
+    <cs:lnRef idx="0"/>
+    <cs:fillRef idx="0"/>
+    <cs:effectRef idx="0"/>
+    <cs:fontRef idx="minor">
+      <a:schemeClr val="dk1"/>
+    </cs:fontRef>
+    <cs:spPr>
+      <a:ln w="9525" cap="flat" cmpd="sng" algn="ctr">
+        <a:solidFill>
+          <a:schemeClr val="dk1">
+            <a:lumMod val="65000"/>
+            <a:lumOff val="35000"/>
+          </a:schemeClr>
+        </a:solidFill>
+        <a:round/>
+      </a:ln>
+    </cs:spPr>
+  </cs:errorBar>
+  <cs:floor>
+    <cs:lnRef idx="0"/>
+    <cs:fillRef idx="0"/>
+    <cs:effectRef idx="0"/>
+    <cs:fontRef idx="minor">
+      <a:schemeClr val="dk1"/>
+    </cs:fontRef>
+    <cs:spPr>
+      <a:noFill/>
+      <a:ln>
+        <a:noFill/>
+      </a:ln>
+    </cs:spPr>
+  </cs:floor>
+  <cs:gridlineMajor>
+    <cs:lnRef idx="0"/>
+    <cs:fillRef idx="0"/>
+    <cs:effectRef idx="0"/>
+    <cs:fontRef idx="minor">
+      <a:schemeClr val="dk1"/>
+    </cs:fontRef>
+    <cs:spPr>
+      <a:ln w="9525" cap="flat" cmpd="sng" algn="ctr">
+        <a:solidFill>
+          <a:schemeClr val="dk1">
+            <a:lumMod val="15000"/>
+            <a:lumOff val="85000"/>
+          </a:schemeClr>
+        </a:solidFill>
+        <a:round/>
+      </a:ln>
+    </cs:spPr>
+  </cs:gridlineMajor>
+  <cs:gridlineMinor>
+    <cs:lnRef idx="0"/>
+    <cs:fillRef idx="0"/>
+    <cs:effectRef idx="0"/>
+    <cs:fontRef idx="minor">
+      <a:schemeClr val="dk1"/>
+    </cs:fontRef>
+    <cs:spPr>
+      <a:ln w="9525" cap="flat" cmpd="sng" algn="ctr">
+        <a:solidFill>
+          <a:schemeClr val="dk1">
+            <a:lumMod val="5000"/>
+            <a:lumOff val="95000"/>
+          </a:schemeClr>
+        </a:solidFill>
+        <a:round/>
+      </a:ln>
+    </cs:spPr>
+  </cs:gridlineMinor>
+  <cs:hiLoLine>
+    <cs:lnRef idx="0"/>
+    <cs:fillRef idx="0"/>
+    <cs:effectRef idx="0"/>
+    <cs:fontRef idx="minor">
+      <a:schemeClr val="dk1"/>
+    </cs:fontRef>
+    <cs:spPr>
+      <a:ln w="9525" cap="flat" cmpd="sng" algn="ctr">
+        <a:solidFill>
+          <a:schemeClr val="dk1">
+            <a:lumMod val="50000"/>
+            <a:lumOff val="50000"/>
+          </a:schemeClr>
+        </a:solidFill>
+        <a:round/>
+      </a:ln>
+    </cs:spPr>
+  </cs:hiLoLine>
+  <cs:leaderLine>
+    <cs:lnRef idx="0"/>
+    <cs:fillRef idx="0"/>
+    <cs:effectRef idx="0"/>
+    <cs:fontRef idx="minor">
+      <a:schemeClr val="dk1"/>
+    </cs:fontRef>
+    <cs:spPr>
+      <a:ln w="9525" cap="flat" cmpd="sng" algn="ctr">
+        <a:solidFill>
+          <a:schemeClr val="dk1">
+            <a:lumMod val="35000"/>
+            <a:lumOff val="65000"/>
+          </a:schemeClr>
+        </a:solidFill>
+        <a:round/>
+      </a:ln>
+    </cs:spPr>
+  </cs:leaderLine>
+  <cs:legend>
+    <cs:lnRef idx="0"/>
+    <cs:fillRef idx="0"/>
+    <cs:effectRef idx="0"/>
+    <cs:fontRef idx="minor">
+      <a:schemeClr val="dk1">
+        <a:lumMod val="65000"/>
+        <a:lumOff val="35000"/>
+      </a:schemeClr>
+    </cs:fontRef>
+    <cs:spPr>
+      <a:solidFill>
+        <a:schemeClr val="lt1">
+          <a:alpha val="78000"/>
+        </a:schemeClr>
+      </a:solidFill>
+    </cs:spPr>
+    <cs:defRPr sz="1197" kern="1200"/>
+  </cs:legend>
+  <cs:plotArea mods="allowNoFillOverride allowNoLineOverride">
+    <cs:lnRef idx="0"/>
+    <cs:fillRef idx="0"/>
+    <cs:effectRef idx="0"/>
+    <cs:fontRef idx="minor">
+      <a:schemeClr val="dk1"/>
+    </cs:fontRef>
+  </cs:plotArea>
+  <cs:plotArea3D mods="allowNoFillOverride allowNoLineOverride">
+    <cs:lnRef idx="0"/>
+    <cs:fillRef idx="0"/>
+    <cs:effectRef idx="0"/>
+    <cs:fontRef idx="minor">
+      <a:schemeClr val="dk1"/>
+    </cs:fontRef>
+  </cs:plotArea3D>
+  <cs:seriesAxis>
+    <cs:lnRef idx="0"/>
+    <cs:fillRef idx="0"/>
+    <cs:effectRef idx="0"/>
+    <cs:fontRef idx="minor">
+      <a:schemeClr val="dk1">
+        <a:lumMod val="65000"/>
+        <a:lumOff val="35000"/>
+      </a:schemeClr>
+    </cs:fontRef>
+    <cs:defRPr sz="1197" kern="1200"/>
+  </cs:seriesAxis>
+  <cs:seriesLine>
+    <cs:lnRef idx="0"/>
+    <cs:fillRef idx="0"/>
+    <cs:effectRef idx="0"/>
+    <cs:fontRef idx="minor">
+      <a:schemeClr val="dk1"/>
+    </cs:fontRef>
+    <cs:spPr>
+      <a:ln w="9525" cap="flat" cmpd="sng" algn="ctr">
+        <a:solidFill>
+          <a:schemeClr val="dk1">
+            <a:lumMod val="35000"/>
+            <a:lumOff val="65000"/>
+          </a:schemeClr>
+        </a:solidFill>
+        <a:round/>
+      </a:ln>
+    </cs:spPr>
+  </cs:seriesLine>
+  <cs:title>
+    <cs:lnRef idx="0"/>
+    <cs:fillRef idx="0"/>
+    <cs:effectRef idx="0"/>
+    <cs:fontRef idx="minor">
+      <a:schemeClr val="dk1">
+        <a:lumMod val="65000"/>
+        <a:lumOff val="35000"/>
+      </a:schemeClr>
+    </cs:fontRef>
+    <cs:defRPr sz="2200" b="1" kern="1200" baseline="0"/>
+  </cs:title>
+  <cs:trendline>
+    <cs:lnRef idx="0">
+      <cs:styleClr val="auto"/>
+    </cs:lnRef>
+    <cs:fillRef idx="0"/>
+    <cs:effectRef idx="0"/>
+    <cs:fontRef idx="minor">
+      <a:schemeClr val="dk1"/>
+    </cs:fontRef>
+    <cs:spPr>
+      <a:ln w="19050" cap="rnd">
+        <a:solidFill>
+          <a:schemeClr val="phClr"/>
+        </a:solidFill>
+        <a:prstDash val="sysDash"/>
+      </a:ln>
+    </cs:spPr>
+  </cs:trendline>
+  <cs:trendlineLabel>
+    <cs:lnRef idx="0"/>
+    <cs:fillRef idx="0"/>
+    <cs:effectRef idx="0"/>
+    <cs:fontRef idx="minor">
+      <a:schemeClr val="dk1">
+        <a:lumMod val="65000"/>
+        <a:lumOff val="35000"/>
+      </a:schemeClr>
+    </cs:fontRef>
+    <cs:defRPr sz="1197" kern="1200"/>
+  </cs:trendlineLabel>
+  <cs:upBar>
+    <cs:lnRef idx="0"/>
+    <cs:fillRef idx="0"/>
+    <cs:effectRef idx="0"/>
+    <cs:fontRef idx="minor">
+      <a:schemeClr val="dk1"/>
+    </cs:fontRef>
+    <cs:spPr>
+      <a:solidFill>
+        <a:schemeClr val="lt1"/>
+      </a:solidFill>
+      <a:ln w="9525" cap="flat" cmpd="sng" algn="ctr">
+        <a:solidFill>
+          <a:schemeClr val="dk1">
+            <a:lumMod val="65000"/>
+            <a:lumOff val="35000"/>
+          </a:schemeClr>
+        </a:solidFill>
+        <a:round/>
+      </a:ln>
+    </cs:spPr>
+  </cs:upBar>
+  <cs:valueAxis>
+    <cs:lnRef idx="0"/>
+    <cs:fillRef idx="0"/>
+    <cs:effectRef idx="0"/>
+    <cs:fontRef idx="minor">
+      <a:schemeClr val="dk1">
+        <a:lumMod val="65000"/>
+        <a:lumOff val="35000"/>
+      </a:schemeClr>
+    </cs:fontRef>
+    <cs:defRPr sz="1197" kern="1200"/>
+  </cs:valueAxis>
+  <cs:wall>
+    <cs:lnRef idx="0"/>
+    <cs:fillRef idx="0"/>
+    <cs:effectRef idx="0"/>
+    <cs:fontRef idx="minor">
+      <a:schemeClr val="dk1"/>
+    </cs:fontRef>
+  </cs:wall>
+</cs:chartStyle>
+</file>
+
 <file path=ppt/notesMasters/notesMaster1.xml><?xml version="1.0" encoding="utf-8"?>
 <p:notesMaster xmlns:a="http://schemas.openxmlformats.org/drawingml/2006/main" xmlns:r="http://schemas.openxmlformats.org/officeDocument/2006/relationships" xmlns:p="http://schemas.openxmlformats.org/presentationml/2006/main">
   <p:cSld>
@@ -206,7 +2209,7 @@
           <a:p>
             <a:fld id="{3A113A62-B23B-46C8-B1E7-D87BCF4A4604}" type="datetimeFigureOut">
               <a:rPr lang="ko-KR" altLang="en-US" smtClean="0"/>
-              <a:t>2019-01-24</a:t>
+              <a:t>2019-01-30</a:t>
             </a:fld>
             <a:endParaRPr lang="ko-KR" altLang="en-US"/>
           </a:p>
@@ -822,35 +2825,70 @@
           <a:bodyPr/>
           <a:lstStyle/>
           <a:p>
+            <a:pPr lvl="1"/>
             <a:r>
               <a:rPr lang="ko-KR" altLang="en-US" dirty="0"/>
-              <a:t>대중매체로 인해 한국의 인기 상승</a:t>
+              <a:t>아이템 소개 및 마케팅기법을 사용해 아이템의 장점을 강조</a:t>
+            </a:r>
+            <a:endParaRPr lang="en-US" altLang="ko-KR" dirty="0"/>
+          </a:p>
+          <a:p>
+            <a:pPr lvl="1"/>
+            <a:r>
+              <a:rPr lang="ko-KR" altLang="en-US" dirty="0"/>
+              <a:t>학생들을 활용한 다양한 경험제공</a:t>
             </a:r>
             <a:r>
               <a:rPr lang="en-US" altLang="ko-KR" dirty="0"/>
               <a:t>, </a:t>
             </a:r>
-            <a:br>
+            <a:r>
+              <a:rPr lang="ko-KR" altLang="en-US" dirty="0"/>
+              <a:t>학교를 통한 성장 가능성 제시</a:t>
+            </a:r>
+          </a:p>
+          <a:p>
+            <a:r>
+              <a:rPr lang="en-US" altLang="ko-KR" sz="1200" dirty="0"/>
+              <a:t>(</a:t>
+            </a:r>
+            <a:r>
+              <a:rPr lang="ko-KR" altLang="en-US" sz="1200" dirty="0"/>
+              <a:t>우리의 </a:t>
+            </a:r>
+            <a:r>
+              <a:rPr lang="en-US" altLang="ko-KR" sz="1200" dirty="0"/>
+              <a:t>ITEM</a:t>
+            </a:r>
+            <a:r>
+              <a:rPr lang="ko-KR" altLang="en-US" sz="1200" dirty="0"/>
+              <a:t>을 제작하자</a:t>
+            </a:r>
+            <a:r>
+              <a:rPr lang="en-US" altLang="ko-KR" sz="1200" dirty="0"/>
+              <a:t>!!,</a:t>
+            </a:r>
+            <a:r>
+              <a:rPr lang="ko-KR" altLang="en-US" sz="1200" dirty="0"/>
+              <a:t>어플 자체가 다른 점 강조</a:t>
+            </a:r>
+            <a:r>
+              <a:rPr lang="en-US" altLang="ko-KR" sz="1200" dirty="0"/>
+              <a:t>)</a:t>
+            </a:r>
+          </a:p>
+          <a:p>
+            <a:endParaRPr lang="en-US" altLang="ko-KR" dirty="0"/>
+          </a:p>
+          <a:p>
+            <a:r>
+              <a:rPr lang="ko-KR" altLang="en-US" dirty="0"/>
+              <a:t>어플로 제작하기로 마음을 먹게 되었습니다</a:t>
+            </a:r>
+            <a:r>
               <a:rPr lang="en-US" altLang="ko-KR" dirty="0"/>
-            </a:br>
-            <a:r>
-              <a:rPr lang="ko-KR" altLang="en-US" dirty="0"/>
-              <a:t>방한을 한</a:t>
-            </a:r>
-            <a:r>
-              <a:rPr lang="en-US" altLang="ko-KR" dirty="0"/>
-              <a:t>, </a:t>
-            </a:r>
-            <a:r>
-              <a:rPr lang="ko-KR" altLang="en-US" dirty="0"/>
-              <a:t>하고 싶은 외국인 증가</a:t>
-            </a:r>
-            <a:endParaRPr lang="en-US" altLang="ko-KR" dirty="0"/>
-          </a:p>
-          <a:p>
-            <a:endParaRPr lang="ko-KR" altLang="en-US" dirty="0"/>
-          </a:p>
-          <a:p>
+              <a:t>!!!!</a:t>
+            </a:r>
             <a:endParaRPr lang="ko-KR" altLang="en-US" dirty="0"/>
           </a:p>
         </p:txBody>
@@ -872,7 +2910,7 @@
           <a:p>
             <a:fld id="{71815FE7-6A11-4A37-AE44-A8D9BF473777}" type="slidenum">
               <a:rPr lang="ko-KR" altLang="en-US" smtClean="0"/>
-              <a:t>3</a:t>
+              <a:t>6</a:t>
             </a:fld>
             <a:endParaRPr lang="ko-KR" altLang="en-US"/>
           </a:p>
@@ -881,7 +2919,7 @@
     </p:spTree>
     <p:extLst>
       <p:ext uri="{BB962C8B-B14F-4D97-AF65-F5344CB8AC3E}">
-        <p14:creationId xmlns:p14="http://schemas.microsoft.com/office/powerpoint/2010/main" val="2315349912"/>
+        <p14:creationId xmlns:p14="http://schemas.microsoft.com/office/powerpoint/2010/main" val="2353243013"/>
       </p:ext>
     </p:extLst>
   </p:cSld>
@@ -935,17 +2973,18 @@
           <a:bodyPr/>
           <a:lstStyle/>
           <a:p>
-            <a:pPr lvl="1"/>
+            <a:r>
+              <a:rPr lang="en-US" altLang="ko-KR" dirty="0"/>
+              <a:t>(</a:t>
+            </a:r>
             <a:r>
               <a:rPr lang="ko-KR" altLang="en-US" dirty="0"/>
-              <a:t>외국인 근로자 수 증가</a:t>
-            </a:r>
-            <a:endParaRPr lang="en-US" altLang="ko-KR" dirty="0"/>
-          </a:p>
-          <a:p>
-            <a:endParaRPr lang="ko-KR" altLang="en-US" dirty="0"/>
-          </a:p>
-          <a:p>
+              <a:t>제시 및 차별화 된 아이디어 실현 가능</a:t>
+            </a:r>
+            <a:r>
+              <a:rPr lang="en-US" altLang="ko-KR" dirty="0"/>
+              <a:t>)</a:t>
+            </a:r>
             <a:endParaRPr lang="ko-KR" altLang="en-US" dirty="0"/>
           </a:p>
         </p:txBody>
@@ -967,7 +3006,7 @@
           <a:p>
             <a:fld id="{71815FE7-6A11-4A37-AE44-A8D9BF473777}" type="slidenum">
               <a:rPr lang="ko-KR" altLang="en-US" smtClean="0"/>
-              <a:t>4</a:t>
+              <a:t>7</a:t>
             </a:fld>
             <a:endParaRPr lang="ko-KR" altLang="en-US"/>
           </a:p>
@@ -976,7 +3015,7 @@
     </p:spTree>
     <p:extLst>
       <p:ext uri="{BB962C8B-B14F-4D97-AF65-F5344CB8AC3E}">
-        <p14:creationId xmlns:p14="http://schemas.microsoft.com/office/powerpoint/2010/main" val="2109907846"/>
+        <p14:creationId xmlns:p14="http://schemas.microsoft.com/office/powerpoint/2010/main" val="844690741"/>
       </p:ext>
     </p:extLst>
   </p:cSld>
@@ -1030,30 +3069,18 @@
           <a:bodyPr/>
           <a:lstStyle/>
           <a:p>
-            <a:pPr marL="0" marR="0" lvl="0" indent="0" algn="l" defTabSz="914400" rtl="0" eaLnBrk="1" fontAlgn="auto" latinLnBrk="1" hangingPunct="1">
-              <a:lnSpc>
-                <a:spcPct val="100000"/>
-              </a:lnSpc>
-              <a:spcBef>
-                <a:spcPts val="0"/>
-              </a:spcBef>
-              <a:spcAft>
-                <a:spcPts val="0"/>
-              </a:spcAft>
-              <a:buClrTx/>
-              <a:buSzTx/>
-              <a:buFontTx/>
-              <a:buNone/>
-              <a:tabLst/>
-              <a:defRPr/>
-            </a:pPr>
+            <a:r>
+              <a:rPr lang="en-US" altLang="ko-KR" dirty="0"/>
+              <a:t>(</a:t>
+            </a:r>
             <a:r>
               <a:rPr lang="ko-KR" altLang="en-US" dirty="0"/>
-              <a:t>취업률 감소</a:t>
-            </a:r>
-            <a:endParaRPr lang="en-US" altLang="ko-KR" dirty="0"/>
-          </a:p>
-          <a:p>
+              <a:t>제시 및 차별화 된 아이디어 실현 가능</a:t>
+            </a:r>
+            <a:r>
+              <a:rPr lang="en-US" altLang="ko-KR" dirty="0"/>
+              <a:t>)</a:t>
+            </a:r>
             <a:endParaRPr lang="ko-KR" altLang="en-US" dirty="0"/>
           </a:p>
         </p:txBody>
@@ -1075,7 +3102,7 @@
           <a:p>
             <a:fld id="{71815FE7-6A11-4A37-AE44-A8D9BF473777}" type="slidenum">
               <a:rPr lang="ko-KR" altLang="en-US" smtClean="0"/>
-              <a:t>5</a:t>
+              <a:t>8</a:t>
             </a:fld>
             <a:endParaRPr lang="ko-KR" altLang="en-US"/>
           </a:p>
@@ -1084,7 +3111,7 @@
     </p:spTree>
     <p:extLst>
       <p:ext uri="{BB962C8B-B14F-4D97-AF65-F5344CB8AC3E}">
-        <p14:creationId xmlns:p14="http://schemas.microsoft.com/office/powerpoint/2010/main" val="4285056532"/>
+        <p14:creationId xmlns:p14="http://schemas.microsoft.com/office/powerpoint/2010/main" val="4140874441"/>
       </p:ext>
     </p:extLst>
   </p:cSld>
@@ -1138,18 +3165,21 @@
           <a:bodyPr/>
           <a:lstStyle/>
           <a:p>
-            <a:pPr lvl="1"/>
+            <a:r>
+              <a:rPr lang="en-US" altLang="ko-KR" b="1" dirty="0"/>
+              <a:t>{</a:t>
+            </a:r>
             <a:r>
               <a:rPr lang="ko-KR" altLang="en-US" dirty="0"/>
-              <a:t>아이템 소개 및 마케팅기법을 사용해 아이템의 장점을 강조</a:t>
-            </a:r>
-            <a:endParaRPr lang="en-US" altLang="ko-KR" dirty="0"/>
-          </a:p>
-          <a:p>
-            <a:pPr lvl="1"/>
+              <a:t>한국산업기술대학교 창업동아리를 시작으로 사회적기업이 되어 다양한 교육</a:t>
+            </a:r>
+            <a:r>
+              <a:rPr lang="en-US" altLang="ko-KR" dirty="0"/>
+              <a:t>(</a:t>
+            </a:r>
             <a:r>
               <a:rPr lang="ko-KR" altLang="en-US" dirty="0"/>
-              <a:t>학생들을 활용한 다양한 경험제공</a:t>
+              <a:t>다양한 언어</a:t>
             </a:r>
             <a:r>
               <a:rPr lang="en-US" altLang="ko-KR" dirty="0"/>
@@ -1157,330 +3187,55 @@
             </a:r>
             <a:r>
               <a:rPr lang="ko-KR" altLang="en-US" dirty="0"/>
-              <a:t>학교를 통한 성장 가능성 제시</a:t>
-            </a:r>
-          </a:p>
-          <a:p>
-            <a:r>
-              <a:rPr lang="en-US" altLang="ko-KR" sz="1200" dirty="0"/>
-              <a:t>(</a:t>
-            </a:r>
-            <a:r>
-              <a:rPr lang="ko-KR" altLang="en-US" sz="1200" dirty="0"/>
-              <a:t>우리의 </a:t>
-            </a:r>
-            <a:r>
-              <a:rPr lang="en-US" altLang="ko-KR" sz="1200" dirty="0"/>
-              <a:t>ITEM</a:t>
-            </a:r>
-            <a:r>
-              <a:rPr lang="ko-KR" altLang="en-US" sz="1200" dirty="0"/>
-              <a:t>을 제작하자</a:t>
-            </a:r>
-            <a:r>
-              <a:rPr lang="en-US" altLang="ko-KR" sz="1200" dirty="0"/>
-              <a:t>!!,</a:t>
-            </a:r>
-            <a:r>
-              <a:rPr lang="ko-KR" altLang="en-US" sz="1200" dirty="0"/>
-              <a:t>어플 자체가 다른 점 강조</a:t>
-            </a:r>
-            <a:r>
-              <a:rPr lang="en-US" altLang="ko-KR" sz="1200" dirty="0"/>
-              <a:t>)</a:t>
-            </a:r>
-          </a:p>
-          <a:p>
-            <a:endParaRPr lang="en-US" altLang="ko-KR" dirty="0"/>
-          </a:p>
-          <a:p>
+              <a:t>유아</a:t>
+            </a:r>
+            <a:r>
+              <a:rPr lang="en-US" altLang="ko-KR" dirty="0"/>
+              <a:t>, </a:t>
+            </a:r>
             <a:r>
               <a:rPr lang="ko-KR" altLang="en-US" dirty="0"/>
-              <a:t>어플로 제작하기로 마음을 먹게 되었습니다</a:t>
-            </a:r>
-            <a:r>
-              <a:rPr lang="en-US" altLang="ko-KR" dirty="0"/>
-              <a:t>!!!!</a:t>
-            </a:r>
-            <a:endParaRPr lang="ko-KR" altLang="en-US" dirty="0"/>
-          </a:p>
-        </p:txBody>
-      </p:sp>
-      <p:sp>
-        <p:nvSpPr>
-          <p:cNvPr id="4" name="슬라이드 번호 개체 틀 3"/>
-          <p:cNvSpPr>
-            <a:spLocks noGrp="1"/>
-          </p:cNvSpPr>
-          <p:nvPr>
-            <p:ph type="sldNum" sz="quarter" idx="5"/>
-          </p:nvPr>
-        </p:nvSpPr>
-        <p:spPr/>
-        <p:txBody>
-          <a:bodyPr/>
-          <a:lstStyle/>
-          <a:p>
-            <a:fld id="{71815FE7-6A11-4A37-AE44-A8D9BF473777}" type="slidenum">
-              <a:rPr lang="ko-KR" altLang="en-US" smtClean="0"/>
-              <a:t>6</a:t>
-            </a:fld>
-            <a:endParaRPr lang="ko-KR" altLang="en-US"/>
-          </a:p>
-        </p:txBody>
-      </p:sp>
-    </p:spTree>
-    <p:extLst>
-      <p:ext uri="{BB962C8B-B14F-4D97-AF65-F5344CB8AC3E}">
-        <p14:creationId xmlns:p14="http://schemas.microsoft.com/office/powerpoint/2010/main" val="2353243013"/>
-      </p:ext>
-    </p:extLst>
-  </p:cSld>
-  <p:clrMapOvr>
-    <a:masterClrMapping/>
-  </p:clrMapOvr>
-</p:notes>
-</file>
-
-<file path=ppt/notesSlides/notesSlide6.xml><?xml version="1.0" encoding="utf-8"?>
-<p:notes xmlns:a="http://schemas.openxmlformats.org/drawingml/2006/main" xmlns:r="http://schemas.openxmlformats.org/officeDocument/2006/relationships" xmlns:p="http://schemas.openxmlformats.org/presentationml/2006/main">
-  <p:cSld>
-    <p:spTree>
-      <p:nvGrpSpPr>
-        <p:cNvPr id="1" name=""/>
-        <p:cNvGrpSpPr/>
-        <p:nvPr/>
-      </p:nvGrpSpPr>
-      <p:grpSpPr>
-        <a:xfrm>
-          <a:off x="0" y="0"/>
-          <a:ext cx="0" cy="0"/>
-          <a:chOff x="0" y="0"/>
-          <a:chExt cx="0" cy="0"/>
-        </a:xfrm>
-      </p:grpSpPr>
-      <p:sp>
-        <p:nvSpPr>
-          <p:cNvPr id="2" name="슬라이드 이미지 개체 틀 1"/>
-          <p:cNvSpPr>
-            <a:spLocks noGrp="1" noRot="1" noChangeAspect="1"/>
-          </p:cNvSpPr>
-          <p:nvPr>
-            <p:ph type="sldImg"/>
-          </p:nvPr>
-        </p:nvSpPr>
-        <p:spPr/>
-      </p:sp>
-      <p:sp>
-        <p:nvSpPr>
-          <p:cNvPr id="3" name="슬라이드 노트 개체 틀 2"/>
-          <p:cNvSpPr>
-            <a:spLocks noGrp="1"/>
-          </p:cNvSpPr>
-          <p:nvPr>
-            <p:ph type="body" idx="1"/>
-          </p:nvPr>
-        </p:nvSpPr>
-        <p:spPr/>
-        <p:txBody>
-          <a:bodyPr/>
-          <a:lstStyle/>
-          <a:p>
-            <a:r>
-              <a:rPr lang="ko-KR" altLang="en-US" dirty="0"/>
-              <a:t>대학교 학생들의 사회적진출을 직접적으로 돕기 위한 양성</a:t>
-            </a:r>
-          </a:p>
-        </p:txBody>
-      </p:sp>
-      <p:sp>
-        <p:nvSpPr>
-          <p:cNvPr id="4" name="슬라이드 번호 개체 틀 3"/>
-          <p:cNvSpPr>
-            <a:spLocks noGrp="1"/>
-          </p:cNvSpPr>
-          <p:nvPr>
-            <p:ph type="sldNum" sz="quarter" idx="5"/>
-          </p:nvPr>
-        </p:nvSpPr>
-        <p:spPr/>
-        <p:txBody>
-          <a:bodyPr/>
-          <a:lstStyle/>
-          <a:p>
-            <a:fld id="{71815FE7-6A11-4A37-AE44-A8D9BF473777}" type="slidenum">
-              <a:rPr lang="ko-KR" altLang="en-US" smtClean="0"/>
-              <a:t>7</a:t>
-            </a:fld>
-            <a:endParaRPr lang="ko-KR" altLang="en-US"/>
-          </a:p>
-        </p:txBody>
-      </p:sp>
-    </p:spTree>
-    <p:extLst>
-      <p:ext uri="{BB962C8B-B14F-4D97-AF65-F5344CB8AC3E}">
-        <p14:creationId xmlns:p14="http://schemas.microsoft.com/office/powerpoint/2010/main" val="819118214"/>
-      </p:ext>
-    </p:extLst>
-  </p:cSld>
-  <p:clrMapOvr>
-    <a:masterClrMapping/>
-  </p:clrMapOvr>
-</p:notes>
-</file>
-
-<file path=ppt/notesSlides/notesSlide7.xml><?xml version="1.0" encoding="utf-8"?>
-<p:notes xmlns:a="http://schemas.openxmlformats.org/drawingml/2006/main" xmlns:r="http://schemas.openxmlformats.org/officeDocument/2006/relationships" xmlns:p="http://schemas.openxmlformats.org/presentationml/2006/main">
-  <p:cSld>
-    <p:spTree>
-      <p:nvGrpSpPr>
-        <p:cNvPr id="1" name=""/>
-        <p:cNvGrpSpPr/>
-        <p:nvPr/>
-      </p:nvGrpSpPr>
-      <p:grpSpPr>
-        <a:xfrm>
-          <a:off x="0" y="0"/>
-          <a:ext cx="0" cy="0"/>
-          <a:chOff x="0" y="0"/>
-          <a:chExt cx="0" cy="0"/>
-        </a:xfrm>
-      </p:grpSpPr>
-      <p:sp>
-        <p:nvSpPr>
-          <p:cNvPr id="2" name="슬라이드 이미지 개체 틀 1"/>
-          <p:cNvSpPr>
-            <a:spLocks noGrp="1" noRot="1" noChangeAspect="1"/>
-          </p:cNvSpPr>
-          <p:nvPr>
-            <p:ph type="sldImg"/>
-          </p:nvPr>
-        </p:nvSpPr>
-        <p:spPr/>
-      </p:sp>
-      <p:sp>
-        <p:nvSpPr>
-          <p:cNvPr id="3" name="슬라이드 노트 개체 틀 2"/>
-          <p:cNvSpPr>
-            <a:spLocks noGrp="1"/>
-          </p:cNvSpPr>
-          <p:nvPr>
-            <p:ph type="body" idx="1"/>
-          </p:nvPr>
-        </p:nvSpPr>
-        <p:spPr/>
-        <p:txBody>
-          <a:bodyPr/>
-          <a:lstStyle/>
-          <a:p>
-            <a:r>
-              <a:rPr lang="en-US" altLang="ko-KR" dirty="0"/>
-              <a:t>(</a:t>
-            </a:r>
-            <a:r>
-              <a:rPr lang="ko-KR" altLang="en-US" dirty="0"/>
-              <a:t>제시 및 차별화 된 아이디어 실현 가능</a:t>
+              <a:t>관광사업</a:t>
             </a:r>
             <a:r>
               <a:rPr lang="en-US" altLang="ko-KR" dirty="0"/>
               <a:t>)</a:t>
             </a:r>
+            <a:r>
+              <a:rPr lang="ko-KR" altLang="en-US" dirty="0"/>
+              <a:t> </a:t>
+            </a:r>
+            <a:r>
+              <a:rPr lang="en-US" altLang="ko-KR" dirty="0"/>
+              <a:t>}</a:t>
+            </a:r>
+          </a:p>
+          <a:p>
+            <a:r>
+              <a:rPr lang="ko-KR" altLang="en-US" dirty="0"/>
+              <a:t>한글교육을 시작으로 유아교육</a:t>
+            </a:r>
+            <a:r>
+              <a:rPr lang="en-US" altLang="ko-KR" dirty="0"/>
+              <a:t>, </a:t>
+            </a:r>
+            <a:r>
+              <a:rPr lang="ko-KR" altLang="en-US" dirty="0"/>
+              <a:t>외국인 국내관광</a:t>
+            </a:r>
+            <a:r>
+              <a:rPr lang="en-US" altLang="ko-KR" dirty="0"/>
+              <a:t>, </a:t>
+            </a:r>
+            <a:r>
+              <a:rPr lang="ko-KR" altLang="en-US" dirty="0"/>
+              <a:t>다양한 언어지원 서비스</a:t>
+            </a:r>
+          </a:p>
+          <a:p>
             <a:endParaRPr lang="ko-KR" altLang="en-US" dirty="0"/>
           </a:p>
-        </p:txBody>
-      </p:sp>
-      <p:sp>
-        <p:nvSpPr>
-          <p:cNvPr id="4" name="슬라이드 번호 개체 틀 3"/>
-          <p:cNvSpPr>
-            <a:spLocks noGrp="1"/>
-          </p:cNvSpPr>
-          <p:nvPr>
-            <p:ph type="sldNum" sz="quarter" idx="5"/>
-          </p:nvPr>
-        </p:nvSpPr>
-        <p:spPr/>
-        <p:txBody>
-          <a:bodyPr/>
-          <a:lstStyle/>
-          <a:p>
-            <a:fld id="{71815FE7-6A11-4A37-AE44-A8D9BF473777}" type="slidenum">
-              <a:rPr lang="ko-KR" altLang="en-US" smtClean="0"/>
-              <a:t>8</a:t>
-            </a:fld>
-            <a:endParaRPr lang="ko-KR" altLang="en-US"/>
-          </a:p>
-        </p:txBody>
-      </p:sp>
-    </p:spTree>
-    <p:extLst>
-      <p:ext uri="{BB962C8B-B14F-4D97-AF65-F5344CB8AC3E}">
-        <p14:creationId xmlns:p14="http://schemas.microsoft.com/office/powerpoint/2010/main" val="4140874441"/>
-      </p:ext>
-    </p:extLst>
-  </p:cSld>
-  <p:clrMapOvr>
-    <a:masterClrMapping/>
-  </p:clrMapOvr>
-</p:notes>
-</file>
-
-<file path=ppt/notesSlides/notesSlide8.xml><?xml version="1.0" encoding="utf-8"?>
-<p:notes xmlns:a="http://schemas.openxmlformats.org/drawingml/2006/main" xmlns:r="http://schemas.openxmlformats.org/officeDocument/2006/relationships" xmlns:p="http://schemas.openxmlformats.org/presentationml/2006/main">
-  <p:cSld>
-    <p:spTree>
-      <p:nvGrpSpPr>
-        <p:cNvPr id="1" name=""/>
-        <p:cNvGrpSpPr/>
-        <p:nvPr/>
-      </p:nvGrpSpPr>
-      <p:grpSpPr>
-        <a:xfrm>
-          <a:off x="0" y="0"/>
-          <a:ext cx="0" cy="0"/>
-          <a:chOff x="0" y="0"/>
-          <a:chExt cx="0" cy="0"/>
-        </a:xfrm>
-      </p:grpSpPr>
-      <p:sp>
-        <p:nvSpPr>
-          <p:cNvPr id="2" name="슬라이드 이미지 개체 틀 1"/>
-          <p:cNvSpPr>
-            <a:spLocks noGrp="1" noRot="1" noChangeAspect="1"/>
-          </p:cNvSpPr>
-          <p:nvPr>
-            <p:ph type="sldImg"/>
-          </p:nvPr>
-        </p:nvSpPr>
-        <p:spPr/>
-      </p:sp>
-      <p:sp>
-        <p:nvSpPr>
-          <p:cNvPr id="3" name="슬라이드 노트 개체 틀 2"/>
-          <p:cNvSpPr>
-            <a:spLocks noGrp="1"/>
-          </p:cNvSpPr>
-          <p:nvPr>
-            <p:ph type="body" idx="1"/>
-          </p:nvPr>
-        </p:nvSpPr>
-        <p:spPr/>
-        <p:txBody>
-          <a:bodyPr/>
-          <a:lstStyle/>
-          <a:p>
-            <a:r>
-              <a:rPr lang="en-US" altLang="ko-KR" dirty="0"/>
-              <a:t>(</a:t>
-            </a:r>
-            <a:r>
-              <a:rPr lang="ko-KR" altLang="en-US" dirty="0"/>
-              <a:t>제시 및 차별화 된 아이디어 실현 가능</a:t>
-            </a:r>
-            <a:r>
-              <a:rPr lang="en-US" altLang="ko-KR" dirty="0"/>
-              <a:t>)</a:t>
-            </a:r>
+          <a:p>
             <a:endParaRPr lang="ko-KR" altLang="en-US" dirty="0"/>
           </a:p>
         </p:txBody>
@@ -1503,161 +3258,6 @@
             <a:fld id="{71815FE7-6A11-4A37-AE44-A8D9BF473777}" type="slidenum">
               <a:rPr lang="ko-KR" altLang="en-US" smtClean="0"/>
               <a:t>9</a:t>
-            </a:fld>
-            <a:endParaRPr lang="ko-KR" altLang="en-US"/>
-          </a:p>
-        </p:txBody>
-      </p:sp>
-    </p:spTree>
-    <p:extLst>
-      <p:ext uri="{BB962C8B-B14F-4D97-AF65-F5344CB8AC3E}">
-        <p14:creationId xmlns:p14="http://schemas.microsoft.com/office/powerpoint/2010/main" val="844690741"/>
-      </p:ext>
-    </p:extLst>
-  </p:cSld>
-  <p:clrMapOvr>
-    <a:masterClrMapping/>
-  </p:clrMapOvr>
-</p:notes>
-</file>
-
-<file path=ppt/notesSlides/notesSlide9.xml><?xml version="1.0" encoding="utf-8"?>
-<p:notes xmlns:a="http://schemas.openxmlformats.org/drawingml/2006/main" xmlns:r="http://schemas.openxmlformats.org/officeDocument/2006/relationships" xmlns:p="http://schemas.openxmlformats.org/presentationml/2006/main">
-  <p:cSld>
-    <p:spTree>
-      <p:nvGrpSpPr>
-        <p:cNvPr id="1" name=""/>
-        <p:cNvGrpSpPr/>
-        <p:nvPr/>
-      </p:nvGrpSpPr>
-      <p:grpSpPr>
-        <a:xfrm>
-          <a:off x="0" y="0"/>
-          <a:ext cx="0" cy="0"/>
-          <a:chOff x="0" y="0"/>
-          <a:chExt cx="0" cy="0"/>
-        </a:xfrm>
-      </p:grpSpPr>
-      <p:sp>
-        <p:nvSpPr>
-          <p:cNvPr id="2" name="슬라이드 이미지 개체 틀 1"/>
-          <p:cNvSpPr>
-            <a:spLocks noGrp="1" noRot="1" noChangeAspect="1"/>
-          </p:cNvSpPr>
-          <p:nvPr>
-            <p:ph type="sldImg"/>
-          </p:nvPr>
-        </p:nvSpPr>
-        <p:spPr/>
-      </p:sp>
-      <p:sp>
-        <p:nvSpPr>
-          <p:cNvPr id="3" name="슬라이드 노트 개체 틀 2"/>
-          <p:cNvSpPr>
-            <a:spLocks noGrp="1"/>
-          </p:cNvSpPr>
-          <p:nvPr>
-            <p:ph type="body" idx="1"/>
-          </p:nvPr>
-        </p:nvSpPr>
-        <p:spPr/>
-        <p:txBody>
-          <a:bodyPr/>
-          <a:lstStyle/>
-          <a:p>
-            <a:r>
-              <a:rPr lang="en-US" altLang="ko-KR" b="1" dirty="0"/>
-              <a:t>{</a:t>
-            </a:r>
-            <a:r>
-              <a:rPr lang="ko-KR" altLang="en-US" dirty="0"/>
-              <a:t>한국산업기술대학교 창업동아리를 시작으로 사회적기업이 되어 다양한 교육</a:t>
-            </a:r>
-            <a:r>
-              <a:rPr lang="en-US" altLang="ko-KR" dirty="0"/>
-              <a:t>(</a:t>
-            </a:r>
-            <a:r>
-              <a:rPr lang="ko-KR" altLang="en-US" dirty="0"/>
-              <a:t>다양한 언어</a:t>
-            </a:r>
-            <a:r>
-              <a:rPr lang="en-US" altLang="ko-KR" dirty="0"/>
-              <a:t>, </a:t>
-            </a:r>
-            <a:r>
-              <a:rPr lang="ko-KR" altLang="en-US" dirty="0"/>
-              <a:t>유아</a:t>
-            </a:r>
-            <a:r>
-              <a:rPr lang="en-US" altLang="ko-KR" dirty="0"/>
-              <a:t>, </a:t>
-            </a:r>
-            <a:r>
-              <a:rPr lang="ko-KR" altLang="en-US" dirty="0"/>
-              <a:t>관광사업</a:t>
-            </a:r>
-            <a:r>
-              <a:rPr lang="en-US" altLang="ko-KR" dirty="0"/>
-              <a:t>)</a:t>
-            </a:r>
-            <a:r>
-              <a:rPr lang="ko-KR" altLang="en-US" dirty="0"/>
-              <a:t> </a:t>
-            </a:r>
-            <a:r>
-              <a:rPr lang="en-US" altLang="ko-KR" dirty="0"/>
-              <a:t>}</a:t>
-            </a:r>
-          </a:p>
-          <a:p>
-            <a:r>
-              <a:rPr lang="ko-KR" altLang="en-US" dirty="0"/>
-              <a:t>한글교육을 시작으로 유아교육</a:t>
-            </a:r>
-            <a:r>
-              <a:rPr lang="en-US" altLang="ko-KR" dirty="0"/>
-              <a:t>, </a:t>
-            </a:r>
-            <a:r>
-              <a:rPr lang="ko-KR" altLang="en-US" dirty="0"/>
-              <a:t>외국인 국내관광</a:t>
-            </a:r>
-            <a:r>
-              <a:rPr lang="en-US" altLang="ko-KR" dirty="0"/>
-              <a:t>, </a:t>
-            </a:r>
-            <a:r>
-              <a:rPr lang="ko-KR" altLang="en-US" dirty="0"/>
-              <a:t>다양한 언어지원 서비스</a:t>
-            </a:r>
-          </a:p>
-          <a:p>
-            <a:endParaRPr lang="ko-KR" altLang="en-US" dirty="0"/>
-          </a:p>
-          <a:p>
-            <a:endParaRPr lang="ko-KR" altLang="en-US" dirty="0"/>
-          </a:p>
-        </p:txBody>
-      </p:sp>
-      <p:sp>
-        <p:nvSpPr>
-          <p:cNvPr id="4" name="슬라이드 번호 개체 틀 3"/>
-          <p:cNvSpPr>
-            <a:spLocks noGrp="1"/>
-          </p:cNvSpPr>
-          <p:nvPr>
-            <p:ph type="sldNum" sz="quarter" idx="5"/>
-          </p:nvPr>
-        </p:nvSpPr>
-        <p:spPr/>
-        <p:txBody>
-          <a:bodyPr/>
-          <a:lstStyle/>
-          <a:p>
-            <a:fld id="{71815FE7-6A11-4A37-AE44-A8D9BF473777}" type="slidenum">
-              <a:rPr lang="ko-KR" altLang="en-US" smtClean="0"/>
-              <a:t>10</a:t>
             </a:fld>
             <a:endParaRPr lang="ko-KR" altLang="en-US"/>
           </a:p>
@@ -1823,7 +3423,7 @@
           <a:p>
             <a:fld id="{B4592728-E2B0-47FD-9295-D0DEEFABE108}" type="datetimeFigureOut">
               <a:rPr lang="ko-KR" altLang="en-US" smtClean="0"/>
-              <a:t>2019-01-24</a:t>
+              <a:t>2019-01-30</a:t>
             </a:fld>
             <a:endParaRPr lang="ko-KR" altLang="en-US"/>
           </a:p>
@@ -2021,7 +3621,7 @@
           <a:p>
             <a:fld id="{B4592728-E2B0-47FD-9295-D0DEEFABE108}" type="datetimeFigureOut">
               <a:rPr lang="ko-KR" altLang="en-US" smtClean="0"/>
-              <a:t>2019-01-24</a:t>
+              <a:t>2019-01-30</a:t>
             </a:fld>
             <a:endParaRPr lang="ko-KR" altLang="en-US"/>
           </a:p>
@@ -2229,7 +3829,7 @@
           <a:p>
             <a:fld id="{B4592728-E2B0-47FD-9295-D0DEEFABE108}" type="datetimeFigureOut">
               <a:rPr lang="ko-KR" altLang="en-US" smtClean="0"/>
-              <a:t>2019-01-24</a:t>
+              <a:t>2019-01-30</a:t>
             </a:fld>
             <a:endParaRPr lang="ko-KR" altLang="en-US"/>
           </a:p>
@@ -2427,7 +4027,7 @@
           <a:p>
             <a:fld id="{B4592728-E2B0-47FD-9295-D0DEEFABE108}" type="datetimeFigureOut">
               <a:rPr lang="ko-KR" altLang="en-US" smtClean="0"/>
-              <a:t>2019-01-24</a:t>
+              <a:t>2019-01-30</a:t>
             </a:fld>
             <a:endParaRPr lang="ko-KR" altLang="en-US"/>
           </a:p>
@@ -2702,7 +4302,7 @@
           <a:p>
             <a:fld id="{B4592728-E2B0-47FD-9295-D0DEEFABE108}" type="datetimeFigureOut">
               <a:rPr lang="ko-KR" altLang="en-US" smtClean="0"/>
-              <a:t>2019-01-24</a:t>
+              <a:t>2019-01-30</a:t>
             </a:fld>
             <a:endParaRPr lang="ko-KR" altLang="en-US"/>
           </a:p>
@@ -2967,7 +4567,7 @@
           <a:p>
             <a:fld id="{B4592728-E2B0-47FD-9295-D0DEEFABE108}" type="datetimeFigureOut">
               <a:rPr lang="ko-KR" altLang="en-US" smtClean="0"/>
-              <a:t>2019-01-24</a:t>
+              <a:t>2019-01-30</a:t>
             </a:fld>
             <a:endParaRPr lang="ko-KR" altLang="en-US"/>
           </a:p>
@@ -3379,7 +4979,7 @@
           <a:p>
             <a:fld id="{B4592728-E2B0-47FD-9295-D0DEEFABE108}" type="datetimeFigureOut">
               <a:rPr lang="ko-KR" altLang="en-US" smtClean="0"/>
-              <a:t>2019-01-24</a:t>
+              <a:t>2019-01-30</a:t>
             </a:fld>
             <a:endParaRPr lang="ko-KR" altLang="en-US"/>
           </a:p>
@@ -3520,7 +5120,7 @@
           <a:p>
             <a:fld id="{B4592728-E2B0-47FD-9295-D0DEEFABE108}" type="datetimeFigureOut">
               <a:rPr lang="ko-KR" altLang="en-US" smtClean="0"/>
-              <a:t>2019-01-24</a:t>
+              <a:t>2019-01-30</a:t>
             </a:fld>
             <a:endParaRPr lang="ko-KR" altLang="en-US"/>
           </a:p>
@@ -3633,7 +5233,7 @@
           <a:p>
             <a:fld id="{B4592728-E2B0-47FD-9295-D0DEEFABE108}" type="datetimeFigureOut">
               <a:rPr lang="ko-KR" altLang="en-US" smtClean="0"/>
-              <a:t>2019-01-24</a:t>
+              <a:t>2019-01-30</a:t>
             </a:fld>
             <a:endParaRPr lang="ko-KR" altLang="en-US"/>
           </a:p>
@@ -3944,7 +5544,7 @@
           <a:p>
             <a:fld id="{B4592728-E2B0-47FD-9295-D0DEEFABE108}" type="datetimeFigureOut">
               <a:rPr lang="ko-KR" altLang="en-US" smtClean="0"/>
-              <a:t>2019-01-24</a:t>
+              <a:t>2019-01-30</a:t>
             </a:fld>
             <a:endParaRPr lang="ko-KR" altLang="en-US"/>
           </a:p>
@@ -4232,7 +5832,7 @@
           <a:p>
             <a:fld id="{B4592728-E2B0-47FD-9295-D0DEEFABE108}" type="datetimeFigureOut">
               <a:rPr lang="ko-KR" altLang="en-US" smtClean="0"/>
-              <a:t>2019-01-24</a:t>
+              <a:t>2019-01-30</a:t>
             </a:fld>
             <a:endParaRPr lang="ko-KR" altLang="en-US"/>
           </a:p>
@@ -4473,7 +6073,7 @@
           <a:p>
             <a:fld id="{B4592728-E2B0-47FD-9295-D0DEEFABE108}" type="datetimeFigureOut">
               <a:rPr lang="ko-KR" altLang="en-US" smtClean="0"/>
-              <a:t>2019-01-24</a:t>
+              <a:t>2019-01-30</a:t>
             </a:fld>
             <a:endParaRPr lang="ko-KR" altLang="en-US"/>
           </a:p>
@@ -4953,342 +6553,6 @@
 </p:sld>
 </file>
 
-<file path=ppt/slides/slide10.xml><?xml version="1.0" encoding="utf-8"?>
-<p:sld xmlns:a="http://schemas.openxmlformats.org/drawingml/2006/main" xmlns:r="http://schemas.openxmlformats.org/officeDocument/2006/relationships" xmlns:p="http://schemas.openxmlformats.org/presentationml/2006/main">
-  <p:cSld>
-    <p:spTree>
-      <p:nvGrpSpPr>
-        <p:cNvPr id="1" name=""/>
-        <p:cNvGrpSpPr/>
-        <p:nvPr/>
-      </p:nvGrpSpPr>
-      <p:grpSpPr>
-        <a:xfrm>
-          <a:off x="0" y="0"/>
-          <a:ext cx="0" cy="0"/>
-          <a:chOff x="0" y="0"/>
-          <a:chExt cx="0" cy="0"/>
-        </a:xfrm>
-      </p:grpSpPr>
-      <p:sp>
-        <p:nvSpPr>
-          <p:cNvPr id="2" name="제목 1">
-            <a:extLst>
-              <a:ext uri="{FF2B5EF4-FFF2-40B4-BE49-F238E27FC236}">
-                <a16:creationId xmlns:a16="http://schemas.microsoft.com/office/drawing/2014/main" id="{1ABAA3C9-8A15-47C8-9AA0-E3B1A6286FA1}"/>
-              </a:ext>
-            </a:extLst>
-          </p:cNvPr>
-          <p:cNvSpPr>
-            <a:spLocks noGrp="1"/>
-          </p:cNvSpPr>
-          <p:nvPr>
-            <p:ph type="title"/>
-          </p:nvPr>
-        </p:nvSpPr>
-        <p:spPr/>
-        <p:txBody>
-          <a:bodyPr>
-            <a:normAutofit/>
-          </a:bodyPr>
-          <a:lstStyle/>
-          <a:p>
-            <a:r>
-              <a:rPr lang="ko-KR" altLang="en-US" dirty="0"/>
-              <a:t>향후</a:t>
-            </a:r>
-            <a:r>
-              <a:rPr lang="ko-KR" altLang="en-US" b="1" dirty="0"/>
-              <a:t>목표 </a:t>
-            </a:r>
-            <a:r>
-              <a:rPr lang="ko-KR" altLang="en-US" dirty="0"/>
-              <a:t>및 </a:t>
-            </a:r>
-            <a:r>
-              <a:rPr lang="ko-KR" altLang="en-US" b="1" dirty="0"/>
-              <a:t>포부</a:t>
-            </a:r>
-            <a:endParaRPr lang="ko-KR" altLang="en-US" dirty="0"/>
-          </a:p>
-        </p:txBody>
-      </p:sp>
-      <p:pic>
-        <p:nvPicPr>
-          <p:cNvPr id="5" name="그림 4">
-            <a:extLst>
-              <a:ext uri="{FF2B5EF4-FFF2-40B4-BE49-F238E27FC236}">
-                <a16:creationId xmlns:a16="http://schemas.microsoft.com/office/drawing/2014/main" id="{16695D80-A3C1-4883-8D33-6CE4B8C9EB61}"/>
-              </a:ext>
-            </a:extLst>
-          </p:cNvPr>
-          <p:cNvPicPr>
-            <a:picLocks noChangeAspect="1"/>
-          </p:cNvPicPr>
-          <p:nvPr/>
-        </p:nvPicPr>
-        <p:blipFill>
-          <a:blip r:embed="rId3">
-            <a:extLst>
-              <a:ext uri="{28A0092B-C50C-407E-A947-70E740481C1C}">
-                <a14:useLocalDpi xmlns:a14="http://schemas.microsoft.com/office/drawing/2010/main" val="0"/>
-              </a:ext>
-              <a:ext uri="{837473B0-CC2E-450A-ABE3-18F120FF3D39}">
-                <a1611:picAttrSrcUrl xmlns:a1611="http://schemas.microsoft.com/office/drawing/2016/11/main" r:id="rId4"/>
-              </a:ext>
-            </a:extLst>
-          </a:blip>
-          <a:stretch>
-            <a:fillRect/>
-          </a:stretch>
-        </p:blipFill>
-        <p:spPr>
-          <a:xfrm>
-            <a:off x="3460376" y="959223"/>
-            <a:ext cx="5047130" cy="4939553"/>
-          </a:xfrm>
-          <a:prstGeom prst="rect">
-            <a:avLst/>
-          </a:prstGeom>
-        </p:spPr>
-      </p:pic>
-      <p:sp>
-        <p:nvSpPr>
-          <p:cNvPr id="6" name="타원 5">
-            <a:extLst>
-              <a:ext uri="{FF2B5EF4-FFF2-40B4-BE49-F238E27FC236}">
-                <a16:creationId xmlns:a16="http://schemas.microsoft.com/office/drawing/2014/main" id="{2425DCD1-C790-4834-84C5-C404C1451A09}"/>
-              </a:ext>
-            </a:extLst>
-          </p:cNvPr>
-          <p:cNvSpPr/>
-          <p:nvPr/>
-        </p:nvSpPr>
-        <p:spPr>
-          <a:xfrm>
-            <a:off x="4438690" y="4204447"/>
-            <a:ext cx="2749127" cy="1467550"/>
-          </a:xfrm>
-          <a:prstGeom prst="ellipse">
-            <a:avLst/>
-          </a:prstGeom>
-        </p:spPr>
-        <p:style>
-          <a:lnRef idx="2">
-            <a:schemeClr val="accent1">
-              <a:shade val="50000"/>
-            </a:schemeClr>
-          </a:lnRef>
-          <a:fillRef idx="1">
-            <a:schemeClr val="accent1"/>
-          </a:fillRef>
-          <a:effectRef idx="0">
-            <a:schemeClr val="accent1"/>
-          </a:effectRef>
-          <a:fontRef idx="minor">
-            <a:schemeClr val="lt1"/>
-          </a:fontRef>
-        </p:style>
-        <p:txBody>
-          <a:bodyPr rtlCol="0" anchor="ctr"/>
-          <a:lstStyle/>
-          <a:p>
-            <a:pPr algn="ctr"/>
-            <a:r>
-              <a:rPr lang="ko-KR" altLang="en-US" dirty="0"/>
-              <a:t>배우미</a:t>
-            </a:r>
-            <a:br>
-              <a:rPr lang="en-US" altLang="ko-KR" dirty="0"/>
-            </a:br>
-            <a:r>
-              <a:rPr lang="ko-KR" altLang="en-US" b="1" dirty="0"/>
-              <a:t>한글교육</a:t>
-            </a:r>
-          </a:p>
-        </p:txBody>
-      </p:sp>
-      <p:sp>
-        <p:nvSpPr>
-          <p:cNvPr id="7" name="타원 6">
-            <a:extLst>
-              <a:ext uri="{FF2B5EF4-FFF2-40B4-BE49-F238E27FC236}">
-                <a16:creationId xmlns:a16="http://schemas.microsoft.com/office/drawing/2014/main" id="{CB72474A-DD35-47B6-BAFA-ED72AED6D031}"/>
-              </a:ext>
-            </a:extLst>
-          </p:cNvPr>
-          <p:cNvSpPr/>
-          <p:nvPr/>
-        </p:nvSpPr>
-        <p:spPr>
-          <a:xfrm>
-            <a:off x="1728327" y="1690688"/>
-            <a:ext cx="2642131" cy="1537447"/>
-          </a:xfrm>
-          <a:prstGeom prst="ellipse">
-            <a:avLst/>
-          </a:prstGeom>
-        </p:spPr>
-        <p:style>
-          <a:lnRef idx="2">
-            <a:schemeClr val="accent1">
-              <a:shade val="50000"/>
-            </a:schemeClr>
-          </a:lnRef>
-          <a:fillRef idx="1">
-            <a:schemeClr val="accent1"/>
-          </a:fillRef>
-          <a:effectRef idx="0">
-            <a:schemeClr val="accent1"/>
-          </a:effectRef>
-          <a:fontRef idx="minor">
-            <a:schemeClr val="lt1"/>
-          </a:fontRef>
-        </p:style>
-        <p:txBody>
-          <a:bodyPr rtlCol="0" anchor="ctr"/>
-          <a:lstStyle/>
-          <a:p>
-            <a:pPr algn="ctr"/>
-            <a:r>
-              <a:rPr lang="ko-KR" altLang="en-US" dirty="0"/>
-              <a:t>배우미</a:t>
-            </a:r>
-            <a:br>
-              <a:rPr lang="en-US" altLang="ko-KR" dirty="0"/>
-            </a:br>
-            <a:r>
-              <a:rPr lang="ko-KR" altLang="en-US" b="1" dirty="0"/>
-              <a:t>유아교육</a:t>
-            </a:r>
-          </a:p>
-        </p:txBody>
-      </p:sp>
-      <p:sp>
-        <p:nvSpPr>
-          <p:cNvPr id="8" name="타원 7">
-            <a:extLst>
-              <a:ext uri="{FF2B5EF4-FFF2-40B4-BE49-F238E27FC236}">
-                <a16:creationId xmlns:a16="http://schemas.microsoft.com/office/drawing/2014/main" id="{C7C03C05-FDD4-410C-8EAC-ED2BB856A9CA}"/>
-              </a:ext>
-            </a:extLst>
-          </p:cNvPr>
-          <p:cNvSpPr/>
-          <p:nvPr/>
-        </p:nvSpPr>
-        <p:spPr>
-          <a:xfrm>
-            <a:off x="7288521" y="1891552"/>
-            <a:ext cx="2642131" cy="1537447"/>
-          </a:xfrm>
-          <a:prstGeom prst="ellipse">
-            <a:avLst/>
-          </a:prstGeom>
-        </p:spPr>
-        <p:style>
-          <a:lnRef idx="2">
-            <a:schemeClr val="accent1">
-              <a:shade val="50000"/>
-            </a:schemeClr>
-          </a:lnRef>
-          <a:fillRef idx="1">
-            <a:schemeClr val="accent1"/>
-          </a:fillRef>
-          <a:effectRef idx="0">
-            <a:schemeClr val="accent1"/>
-          </a:effectRef>
-          <a:fontRef idx="minor">
-            <a:schemeClr val="lt1"/>
-          </a:fontRef>
-        </p:style>
-        <p:txBody>
-          <a:bodyPr rtlCol="0" anchor="ctr"/>
-          <a:lstStyle/>
-          <a:p>
-            <a:pPr algn="ctr"/>
-            <a:r>
-              <a:rPr lang="ko-KR" altLang="en-US" dirty="0"/>
-              <a:t>배우미</a:t>
-            </a:r>
-            <a:br>
-              <a:rPr lang="en-US" altLang="ko-KR" dirty="0"/>
-            </a:br>
-            <a:r>
-              <a:rPr lang="ko-KR" altLang="en-US" b="1" dirty="0"/>
-              <a:t>서비스언어 확대</a:t>
-            </a:r>
-          </a:p>
-        </p:txBody>
-      </p:sp>
-      <p:sp>
-        <p:nvSpPr>
-          <p:cNvPr id="9" name="타원 8">
-            <a:extLst>
-              <a:ext uri="{FF2B5EF4-FFF2-40B4-BE49-F238E27FC236}">
-                <a16:creationId xmlns:a16="http://schemas.microsoft.com/office/drawing/2014/main" id="{35D5AF17-FDB6-4CD1-A110-124DC5B01252}"/>
-              </a:ext>
-            </a:extLst>
-          </p:cNvPr>
-          <p:cNvSpPr/>
-          <p:nvPr/>
-        </p:nvSpPr>
-        <p:spPr>
-          <a:xfrm>
-            <a:off x="4559133" y="1603375"/>
-            <a:ext cx="2642131" cy="1537447"/>
-          </a:xfrm>
-          <a:prstGeom prst="ellipse">
-            <a:avLst/>
-          </a:prstGeom>
-        </p:spPr>
-        <p:style>
-          <a:lnRef idx="2">
-            <a:schemeClr val="accent1">
-              <a:shade val="50000"/>
-            </a:schemeClr>
-          </a:lnRef>
-          <a:fillRef idx="1">
-            <a:schemeClr val="accent1"/>
-          </a:fillRef>
-          <a:effectRef idx="0">
-            <a:schemeClr val="accent1"/>
-          </a:effectRef>
-          <a:fontRef idx="minor">
-            <a:schemeClr val="lt1"/>
-          </a:fontRef>
-        </p:style>
-        <p:txBody>
-          <a:bodyPr rtlCol="0" anchor="ctr"/>
-          <a:lstStyle/>
-          <a:p>
-            <a:pPr algn="ctr"/>
-            <a:r>
-              <a:rPr lang="ko-KR" altLang="en-US" dirty="0"/>
-              <a:t>배우미</a:t>
-            </a:r>
-            <a:br>
-              <a:rPr lang="en-US" altLang="ko-KR" dirty="0"/>
-            </a:br>
-            <a:r>
-              <a:rPr lang="ko-KR" altLang="en-US" b="1" dirty="0"/>
-              <a:t>국내관광여행</a:t>
-            </a:r>
-          </a:p>
-        </p:txBody>
-      </p:sp>
-    </p:spTree>
-    <p:extLst>
-      <p:ext uri="{BB962C8B-B14F-4D97-AF65-F5344CB8AC3E}">
-        <p14:creationId xmlns:p14="http://schemas.microsoft.com/office/powerpoint/2010/main" val="3601014804"/>
-      </p:ext>
-    </p:extLst>
-  </p:cSld>
-  <p:clrMapOvr>
-    <a:masterClrMapping/>
-  </p:clrMapOvr>
-</p:sld>
-</file>
-
 <file path=ppt/slides/slide2.xml><?xml version="1.0" encoding="utf-8"?>
 <p:sld xmlns:a="http://schemas.openxmlformats.org/drawingml/2006/main" xmlns:r="http://schemas.openxmlformats.org/officeDocument/2006/relationships" xmlns:p="http://schemas.openxmlformats.org/presentationml/2006/main">
   <p:cSld>
@@ -5441,7 +6705,7 @@
           <p:cNvPr id="2" name="제목 1">
             <a:extLst>
               <a:ext uri="{FF2B5EF4-FFF2-40B4-BE49-F238E27FC236}">
-                <a16:creationId xmlns:a16="http://schemas.microsoft.com/office/drawing/2014/main" id="{C7006B36-9857-4E4D-96FF-A8AC69254346}"/>
+                <a16:creationId xmlns:a16="http://schemas.microsoft.com/office/drawing/2014/main" id="{CFAFB0EF-CF07-4458-8FB7-D2BE0901097C}"/>
               </a:ext>
             </a:extLst>
           </p:cNvPr>
@@ -5467,45 +6731,41 @@
             </a:r>
             <a:r>
               <a:rPr lang="ko-KR" altLang="en-US" dirty="0"/>
-              <a:t>외국인 여행객</a:t>
-            </a:r>
-          </a:p>
-        </p:txBody>
-      </p:sp>
-      <p:pic>
-        <p:nvPicPr>
-          <p:cNvPr id="5" name="그림 4">
+              <a:t>외국인 주민 언어 문제</a:t>
+            </a:r>
+          </a:p>
+        </p:txBody>
+      </p:sp>
+      <p:graphicFrame>
+        <p:nvGraphicFramePr>
+          <p:cNvPr id="9" name="내용 개체 틀 8">
             <a:extLst>
               <a:ext uri="{FF2B5EF4-FFF2-40B4-BE49-F238E27FC236}">
-                <a16:creationId xmlns:a16="http://schemas.microsoft.com/office/drawing/2014/main" id="{29B887EF-598E-4F43-BC4D-A64ED3A31229}"/>
+                <a16:creationId xmlns:a16="http://schemas.microsoft.com/office/drawing/2014/main" id="{57DDC58A-901B-470D-956E-9A1CC1434623}"/>
               </a:ext>
             </a:extLst>
           </p:cNvPr>
-          <p:cNvPicPr>
-            <a:picLocks noChangeAspect="1"/>
-          </p:cNvPicPr>
-          <p:nvPr/>
-        </p:nvPicPr>
-        <p:blipFill>
-          <a:blip r:embed="rId3"/>
-          <a:stretch>
-            <a:fillRect/>
-          </a:stretch>
-        </p:blipFill>
-        <p:spPr>
-          <a:xfrm>
-            <a:off x="3159919" y="1823343"/>
-            <a:ext cx="5872162" cy="3480255"/>
-          </a:xfrm>
-          <a:prstGeom prst="rect">
-            <a:avLst/>
-          </a:prstGeom>
-        </p:spPr>
-      </p:pic>
+          <p:cNvGraphicFramePr>
+            <a:graphicFrameLocks noGrp="1"/>
+          </p:cNvGraphicFramePr>
+          <p:nvPr>
+            <p:ph idx="1"/>
+          </p:nvPr>
+        </p:nvGraphicFramePr>
+        <p:xfrm>
+          <a:off x="838200" y="1825625"/>
+          <a:ext cx="10515600" cy="4351338"/>
+        </p:xfrm>
+        <a:graphic>
+          <a:graphicData uri="http://schemas.openxmlformats.org/drawingml/2006/chart">
+            <c:chart xmlns:c="http://schemas.openxmlformats.org/drawingml/2006/chart" xmlns:r="http://schemas.openxmlformats.org/officeDocument/2006/relationships" r:id="rId2"/>
+          </a:graphicData>
+        </a:graphic>
+      </p:graphicFrame>
     </p:spTree>
     <p:extLst>
       <p:ext uri="{BB962C8B-B14F-4D97-AF65-F5344CB8AC3E}">
-        <p14:creationId xmlns:p14="http://schemas.microsoft.com/office/powerpoint/2010/main" val="259272390"/>
+        <p14:creationId xmlns:p14="http://schemas.microsoft.com/office/powerpoint/2010/main" val="4156118182"/>
       </p:ext>
     </p:extLst>
   </p:cSld>
@@ -5532,546 +6792,88 @@
           <a:chExt cx="0" cy="0"/>
         </a:xfrm>
       </p:grpSpPr>
-      <p:sp>
-        <p:nvSpPr>
-          <p:cNvPr id="2" name="제목 1">
+      <p:graphicFrame>
+        <p:nvGraphicFramePr>
+          <p:cNvPr id="6" name="차트 5">
             <a:extLst>
               <a:ext uri="{FF2B5EF4-FFF2-40B4-BE49-F238E27FC236}">
-                <a16:creationId xmlns:a16="http://schemas.microsoft.com/office/drawing/2014/main" id="{C7006B36-9857-4E4D-96FF-A8AC69254346}"/>
+                <a16:creationId xmlns:a16="http://schemas.microsoft.com/office/drawing/2014/main" id="{BFBFD5FF-70D9-477A-BB6D-AFA7BAB773BB}"/>
               </a:ext>
             </a:extLst>
           </p:cNvPr>
-          <p:cNvSpPr>
-            <a:spLocks noGrp="1"/>
-          </p:cNvSpPr>
-          <p:nvPr>
-            <p:ph type="title"/>
-          </p:nvPr>
-        </p:nvSpPr>
-        <p:spPr/>
-        <p:txBody>
-          <a:bodyPr/>
-          <a:lstStyle/>
-          <a:p>
-            <a:r>
-              <a:rPr lang="ko-KR" altLang="en-US" dirty="0"/>
-              <a:t>사회적 문제</a:t>
-            </a:r>
-            <a:r>
-              <a:rPr lang="en-US" altLang="ko-KR" dirty="0"/>
-              <a:t>_</a:t>
-            </a:r>
-            <a:r>
-              <a:rPr lang="ko-KR" altLang="en-US" dirty="0"/>
-              <a:t>외국인 근로자 수 증가</a:t>
-            </a:r>
-          </a:p>
-        </p:txBody>
-      </p:sp>
-      <p:sp>
-        <p:nvSpPr>
-          <p:cNvPr id="4" name="Rectangle 2">
+          <p:cNvGraphicFramePr/>
+          <p:nvPr/>
+        </p:nvGraphicFramePr>
+        <p:xfrm>
+          <a:off x="2031999" y="1021326"/>
+          <a:ext cx="8128000" cy="5418667"/>
+        </p:xfrm>
+        <a:graphic>
+          <a:graphicData uri="http://schemas.openxmlformats.org/drawingml/2006/chart">
+            <c:chart xmlns:c="http://schemas.openxmlformats.org/drawingml/2006/chart" xmlns:r="http://schemas.openxmlformats.org/officeDocument/2006/relationships" r:id="rId2"/>
+          </a:graphicData>
+        </a:graphic>
+      </p:graphicFrame>
+      <p:sp>
+        <p:nvSpPr>
+          <p:cNvPr id="7" name="직사각형 6">
             <a:extLst>
               <a:ext uri="{FF2B5EF4-FFF2-40B4-BE49-F238E27FC236}">
-                <a16:creationId xmlns:a16="http://schemas.microsoft.com/office/drawing/2014/main" id="{2788E38E-9EE4-4CBA-AAD2-DA8CB67D203F}"/>
+                <a16:creationId xmlns:a16="http://schemas.microsoft.com/office/drawing/2014/main" id="{2F18E164-8A02-47C8-BABA-E14C9659BA84}"/>
               </a:ext>
             </a:extLst>
           </p:cNvPr>
-          <p:cNvSpPr>
-            <a:spLocks noChangeArrowheads="1"/>
-          </p:cNvSpPr>
+          <p:cNvSpPr/>
           <p:nvPr/>
         </p:nvSpPr>
-        <p:spPr bwMode="auto">
+        <p:spPr>
           <a:xfrm>
-            <a:off x="2261062" y="1271847"/>
-            <a:ext cx="12192000" cy="457200"/>
+            <a:off x="4322639" y="522782"/>
+            <a:ext cx="3546721" cy="369332"/>
           </a:xfrm>
           <a:prstGeom prst="rect">
             <a:avLst/>
           </a:prstGeom>
-          <a:noFill/>
-          <a:ln>
-            <a:noFill/>
-          </a:ln>
-          <a:effectLst/>
-          <a:extLst>
-            <a:ext uri="{909E8E84-426E-40DD-AFC4-6F175D3DCCD1}">
-              <a14:hiddenFill xmlns:a14="http://schemas.microsoft.com/office/drawing/2010/main">
-                <a:solidFill>
-                  <a:schemeClr val="accent1"/>
-                </a:solidFill>
-              </a14:hiddenFill>
-            </a:ext>
-            <a:ext uri="{91240B29-F687-4F45-9708-019B960494DF}">
-              <a14:hiddenLine xmlns:a14="http://schemas.microsoft.com/office/drawing/2010/main" w="9525">
-                <a:solidFill>
-                  <a:schemeClr val="tx1"/>
-                </a:solidFill>
-                <a:miter lim="800000"/>
-                <a:headEnd/>
-                <a:tailEnd/>
-              </a14:hiddenLine>
-            </a:ext>
-            <a:ext uri="{AF507438-7753-43E0-B8FC-AC1667EBCBE1}">
-              <a14:hiddenEffects xmlns:a14="http://schemas.microsoft.com/office/drawing/2010/main">
-                <a:effectLst>
-                  <a:outerShdw dist="35921" dir="2700000" algn="ctr" rotWithShape="0">
-                    <a:schemeClr val="bg2"/>
-                  </a:outerShdw>
-                </a:effectLst>
-              </a14:hiddenEffects>
-            </a:ext>
-          </a:extLst>
         </p:spPr>
         <p:txBody>
-          <a:bodyPr vert="horz" wrap="none" lIns="91440" tIns="45720" rIns="91440" bIns="45720" numCol="1" anchor="ctr" anchorCtr="0" compatLnSpc="1">
-            <a:prstTxWarp prst="textNoShape">
-              <a:avLst/>
-            </a:prstTxWarp>
+          <a:bodyPr wrap="square">
             <a:spAutoFit/>
           </a:bodyPr>
           <a:lstStyle/>
           <a:p>
-            <a:endParaRPr lang="ko-KR" altLang="en-US"/>
-          </a:p>
-        </p:txBody>
-      </p:sp>
-      <p:sp>
-        <p:nvSpPr>
-          <p:cNvPr id="8" name="Rectangle 7">
-            <a:extLst>
-              <a:ext uri="{FF2B5EF4-FFF2-40B4-BE49-F238E27FC236}">
-                <a16:creationId xmlns:a16="http://schemas.microsoft.com/office/drawing/2014/main" id="{5FCEA76D-BC98-4FEF-8C22-E810629CC58E}"/>
-              </a:ext>
-            </a:extLst>
-          </p:cNvPr>
-          <p:cNvSpPr>
-            <a:spLocks noChangeArrowheads="1"/>
-          </p:cNvSpPr>
-          <p:nvPr/>
-        </p:nvSpPr>
-        <p:spPr bwMode="auto">
-          <a:xfrm>
-            <a:off x="-575733" y="2140210"/>
-            <a:ext cx="12192000" cy="457200"/>
-          </a:xfrm>
-          <a:prstGeom prst="rect">
-            <a:avLst/>
-          </a:prstGeom>
-          <a:noFill/>
-          <a:ln>
-            <a:noFill/>
-          </a:ln>
-          <a:effectLst/>
-          <a:extLst>
-            <a:ext uri="{909E8E84-426E-40DD-AFC4-6F175D3DCCD1}">
-              <a14:hiddenFill xmlns:a14="http://schemas.microsoft.com/office/drawing/2010/main">
+            <a:r>
+              <a:rPr lang="en-US" altLang="ko-KR" b="1" i="0" dirty="0">
                 <a:solidFill>
-                  <a:schemeClr val="accent1"/>
+                  <a:srgbClr val="303233"/>
                 </a:solidFill>
-              </a14:hiddenFill>
-            </a:ext>
-            <a:ext uri="{91240B29-F687-4F45-9708-019B960494DF}">
-              <a14:hiddenLine xmlns:a14="http://schemas.microsoft.com/office/drawing/2010/main" w="9525">
+                <a:effectLst/>
+                <a:latin typeface="Arial" panose="020B0604020202020204" pitchFamily="34" charset="0"/>
+              </a:rPr>
+              <a:t>2017</a:t>
+            </a:r>
+            <a:r>
+              <a:rPr lang="ko-KR" altLang="en-US" b="1" i="0" dirty="0">
                 <a:solidFill>
-                  <a:schemeClr val="tx1"/>
+                  <a:srgbClr val="303233"/>
                 </a:solidFill>
-                <a:miter lim="800000"/>
-                <a:headEnd/>
-                <a:tailEnd/>
-              </a14:hiddenLine>
-            </a:ext>
-            <a:ext uri="{AF507438-7753-43E0-B8FC-AC1667EBCBE1}">
-              <a14:hiddenEffects xmlns:a14="http://schemas.microsoft.com/office/drawing/2010/main">
-                <a:effectLst>
-                  <a:outerShdw dist="35921" dir="2700000" algn="ctr" rotWithShape="0">
-                    <a:schemeClr val="bg2"/>
-                  </a:outerShdw>
-                </a:effectLst>
-              </a14:hiddenEffects>
-            </a:ext>
-          </a:extLst>
-        </p:spPr>
-        <p:txBody>
-          <a:bodyPr vert="horz" wrap="none" lIns="91440" tIns="45720" rIns="91440" bIns="45720" numCol="1" anchor="ctr" anchorCtr="0" compatLnSpc="1">
-            <a:prstTxWarp prst="textNoShape">
-              <a:avLst/>
-            </a:prstTxWarp>
-            <a:spAutoFit/>
-          </a:bodyPr>
-          <a:lstStyle/>
-          <a:p>
-            <a:endParaRPr lang="ko-KR" altLang="en-US"/>
-          </a:p>
-        </p:txBody>
-      </p:sp>
-      <p:pic>
-        <p:nvPicPr>
-          <p:cNvPr id="2054" name="_x154788032" descr="EMB00001b1c0e5b">
-            <a:extLst>
-              <a:ext uri="{FF2B5EF4-FFF2-40B4-BE49-F238E27FC236}">
-                <a16:creationId xmlns:a16="http://schemas.microsoft.com/office/drawing/2014/main" id="{D2886F87-4B15-4F0C-88E4-5DB68C206FA1}"/>
-              </a:ext>
-            </a:extLst>
-          </p:cNvPr>
-          <p:cNvPicPr>
-            <a:picLocks noChangeAspect="1" noChangeArrowheads="1"/>
-          </p:cNvPicPr>
-          <p:nvPr/>
-        </p:nvPicPr>
-        <p:blipFill>
-          <a:blip r:embed="rId3">
-            <a:extLst>
-              <a:ext uri="{28A0092B-C50C-407E-A947-70E740481C1C}">
-                <a14:useLocalDpi xmlns:a14="http://schemas.microsoft.com/office/drawing/2010/main" val="0"/>
-              </a:ext>
-            </a:extLst>
-          </a:blip>
-          <a:srcRect/>
-          <a:stretch>
-            <a:fillRect/>
-          </a:stretch>
-        </p:blipFill>
-        <p:spPr bwMode="auto">
-          <a:xfrm>
-            <a:off x="1869017" y="2597410"/>
-            <a:ext cx="3810000" cy="3192463"/>
-          </a:xfrm>
-          <a:prstGeom prst="rect">
-            <a:avLst/>
-          </a:prstGeom>
-          <a:noFill/>
-          <a:extLst>
-            <a:ext uri="{909E8E84-426E-40DD-AFC4-6F175D3DCCD1}">
-              <a14:hiddenFill xmlns:a14="http://schemas.microsoft.com/office/drawing/2010/main">
-                <a:solidFill>
-                  <a:srgbClr val="FFFFFF"/>
-                </a:solidFill>
-              </a14:hiddenFill>
-            </a:ext>
-          </a:extLst>
-        </p:spPr>
-      </p:pic>
-      <p:grpSp>
-        <p:nvGrpSpPr>
-          <p:cNvPr id="11" name="그룹 10">
-            <a:extLst>
-              <a:ext uri="{FF2B5EF4-FFF2-40B4-BE49-F238E27FC236}">
-                <a16:creationId xmlns:a16="http://schemas.microsoft.com/office/drawing/2014/main" id="{0E0FFC80-18B7-428D-B7ED-1B3E56DC0CC5}"/>
-              </a:ext>
-            </a:extLst>
-          </p:cNvPr>
-          <p:cNvGrpSpPr/>
-          <p:nvPr/>
-        </p:nvGrpSpPr>
-        <p:grpSpPr>
-          <a:xfrm>
-            <a:off x="5899152" y="1787266"/>
-            <a:ext cx="4324354" cy="3714220"/>
-            <a:chOff x="5899152" y="1787266"/>
-            <a:chExt cx="4324354" cy="3714220"/>
-          </a:xfrm>
-        </p:grpSpPr>
-        <p:sp>
-          <p:nvSpPr>
-            <p:cNvPr id="9" name="화살표: 위쪽 8">
-              <a:extLst>
-                <a:ext uri="{FF2B5EF4-FFF2-40B4-BE49-F238E27FC236}">
-                  <a16:creationId xmlns:a16="http://schemas.microsoft.com/office/drawing/2014/main" id="{66E7EC20-CAB5-4E4C-85A7-ABC455CA0D16}"/>
-                </a:ext>
-              </a:extLst>
-            </p:cNvPr>
-            <p:cNvSpPr/>
-            <p:nvPr/>
-          </p:nvSpPr>
-          <p:spPr>
-            <a:xfrm>
-              <a:off x="5899152" y="3530600"/>
-              <a:ext cx="1227666" cy="1970886"/>
-            </a:xfrm>
-            <a:prstGeom prst="upArrow">
-              <a:avLst/>
-            </a:prstGeom>
-          </p:spPr>
-          <p:style>
-            <a:lnRef idx="2">
-              <a:schemeClr val="accent1">
-                <a:shade val="50000"/>
-              </a:schemeClr>
-            </a:lnRef>
-            <a:fillRef idx="1">
-              <a:schemeClr val="accent1"/>
-            </a:fillRef>
-            <a:effectRef idx="0">
-              <a:schemeClr val="accent1"/>
-            </a:effectRef>
-            <a:fontRef idx="minor">
-              <a:schemeClr val="lt1"/>
-            </a:fontRef>
-          </p:style>
-          <p:txBody>
-            <a:bodyPr rtlCol="0" anchor="ctr"/>
-            <a:lstStyle/>
-            <a:p>
-              <a:pPr algn="ctr"/>
-              <a:endParaRPr lang="ko-KR" altLang="en-US"/>
-            </a:p>
-          </p:txBody>
-        </p:sp>
-        <p:grpSp>
-          <p:nvGrpSpPr>
-            <p:cNvPr id="10" name="그룹 9">
-              <a:extLst>
-                <a:ext uri="{FF2B5EF4-FFF2-40B4-BE49-F238E27FC236}">
-                  <a16:creationId xmlns:a16="http://schemas.microsoft.com/office/drawing/2014/main" id="{ED7BA047-446B-4D02-954D-4EFAF58F175E}"/>
-                </a:ext>
-              </a:extLst>
-            </p:cNvPr>
-            <p:cNvGrpSpPr/>
-            <p:nvPr/>
-          </p:nvGrpSpPr>
-          <p:grpSpPr>
-            <a:xfrm>
-              <a:off x="7447496" y="1787266"/>
-              <a:ext cx="2776010" cy="3714220"/>
-              <a:chOff x="7447496" y="1787266"/>
-              <a:chExt cx="2776010" cy="3714220"/>
-            </a:xfrm>
-          </p:grpSpPr>
-          <p:sp>
-            <p:nvSpPr>
-              <p:cNvPr id="13" name="화살표: 위쪽 12">
-                <a:extLst>
-                  <a:ext uri="{FF2B5EF4-FFF2-40B4-BE49-F238E27FC236}">
-                    <a16:creationId xmlns:a16="http://schemas.microsoft.com/office/drawing/2014/main" id="{5910A978-99F2-4BDE-99AA-5072DD312A5D}"/>
-                  </a:ext>
-                </a:extLst>
-              </p:cNvPr>
-              <p:cNvSpPr/>
-              <p:nvPr/>
-            </p:nvSpPr>
-            <p:spPr>
-              <a:xfrm>
-                <a:off x="7447496" y="2635769"/>
-                <a:ext cx="1227666" cy="2865717"/>
-              </a:xfrm>
-              <a:prstGeom prst="upArrow">
-                <a:avLst/>
-              </a:prstGeom>
-            </p:spPr>
-            <p:style>
-              <a:lnRef idx="2">
-                <a:schemeClr val="accent1">
-                  <a:shade val="50000"/>
-                </a:schemeClr>
-              </a:lnRef>
-              <a:fillRef idx="1">
-                <a:schemeClr val="accent1"/>
-              </a:fillRef>
-              <a:effectRef idx="0">
-                <a:schemeClr val="accent1"/>
-              </a:effectRef>
-              <a:fontRef idx="minor">
-                <a:schemeClr val="lt1"/>
-              </a:fontRef>
-            </p:style>
-            <p:txBody>
-              <a:bodyPr rtlCol="0" anchor="ctr"/>
-              <a:lstStyle/>
-              <a:p>
-                <a:pPr algn="ctr"/>
-                <a:endParaRPr lang="ko-KR" altLang="en-US"/>
-              </a:p>
-            </p:txBody>
-          </p:sp>
-          <p:sp>
-            <p:nvSpPr>
-              <p:cNvPr id="14" name="화살표: 위쪽 13">
-                <a:extLst>
-                  <a:ext uri="{FF2B5EF4-FFF2-40B4-BE49-F238E27FC236}">
-                    <a16:creationId xmlns:a16="http://schemas.microsoft.com/office/drawing/2014/main" id="{62361CA6-12A9-4AE2-87DF-A95A4454D4B0}"/>
-                  </a:ext>
-                </a:extLst>
-              </p:cNvPr>
-              <p:cNvSpPr/>
-              <p:nvPr/>
-            </p:nvSpPr>
-            <p:spPr>
-              <a:xfrm>
-                <a:off x="8995840" y="1787266"/>
-                <a:ext cx="1227666" cy="3714220"/>
-              </a:xfrm>
-              <a:prstGeom prst="upArrow">
-                <a:avLst/>
-              </a:prstGeom>
-            </p:spPr>
-            <p:style>
-              <a:lnRef idx="2">
-                <a:schemeClr val="accent1">
-                  <a:shade val="50000"/>
-                </a:schemeClr>
-              </a:lnRef>
-              <a:fillRef idx="1">
-                <a:schemeClr val="accent1"/>
-              </a:fillRef>
-              <a:effectRef idx="0">
-                <a:schemeClr val="accent1"/>
-              </a:effectRef>
-              <a:fontRef idx="minor">
-                <a:schemeClr val="lt1"/>
-              </a:fontRef>
-            </p:style>
-            <p:txBody>
-              <a:bodyPr rtlCol="0" anchor="ctr"/>
-              <a:lstStyle/>
-              <a:p>
-                <a:pPr algn="ctr"/>
-                <a:endParaRPr lang="ko-KR" altLang="en-US"/>
-              </a:p>
-            </p:txBody>
-          </p:sp>
-        </p:grpSp>
-      </p:grpSp>
+                <a:effectLst/>
+                <a:latin typeface="Arial" panose="020B0604020202020204" pitchFamily="34" charset="0"/>
+              </a:rPr>
+              <a:t>년 경기도 외국인주민 현황</a:t>
+            </a:r>
+          </a:p>
+        </p:txBody>
+      </p:sp>
     </p:spTree>
     <p:extLst>
       <p:ext uri="{BB962C8B-B14F-4D97-AF65-F5344CB8AC3E}">
-        <p14:creationId xmlns:p14="http://schemas.microsoft.com/office/powerpoint/2010/main" val="2117339406"/>
+        <p14:creationId xmlns:p14="http://schemas.microsoft.com/office/powerpoint/2010/main" val="2297873296"/>
       </p:ext>
     </p:extLst>
   </p:cSld>
   <p:clrMapOvr>
     <a:masterClrMapping/>
   </p:clrMapOvr>
-  <p:timing>
-    <p:tnLst>
-      <p:par>
-        <p:cTn id="1" dur="indefinite" restart="never" nodeType="tmRoot">
-          <p:childTnLst>
-            <p:seq concurrent="1" nextAc="seek">
-              <p:cTn id="2" dur="indefinite" nodeType="mainSeq">
-                <p:childTnLst>
-                  <p:par>
-                    <p:cTn id="3" fill="hold">
-                      <p:stCondLst>
-                        <p:cond delay="indefinite"/>
-                      </p:stCondLst>
-                      <p:childTnLst>
-                        <p:par>
-                          <p:cTn id="4" fill="hold">
-                            <p:stCondLst>
-                              <p:cond delay="0"/>
-                            </p:stCondLst>
-                            <p:childTnLst>
-                              <p:par>
-                                <p:cTn id="5" presetID="42" presetClass="entr" presetSubtype="0" fill="hold" nodeType="clickEffect">
-                                  <p:stCondLst>
-                                    <p:cond delay="0"/>
-                                  </p:stCondLst>
-                                  <p:childTnLst>
-                                    <p:set>
-                                      <p:cBhvr>
-                                        <p:cTn id="6" dur="1" fill="hold">
-                                          <p:stCondLst>
-                                            <p:cond delay="0"/>
-                                          </p:stCondLst>
-                                        </p:cTn>
-                                        <p:tgtEl>
-                                          <p:spTgt spid="11"/>
-                                        </p:tgtEl>
-                                        <p:attrNameLst>
-                                          <p:attrName>style.visibility</p:attrName>
-                                        </p:attrNameLst>
-                                      </p:cBhvr>
-                                      <p:to>
-                                        <p:strVal val="visible"/>
-                                      </p:to>
-                                    </p:set>
-                                    <p:animEffect transition="in" filter="fade">
-                                      <p:cBhvr>
-                                        <p:cTn id="7" dur="1000"/>
-                                        <p:tgtEl>
-                                          <p:spTgt spid="11"/>
-                                        </p:tgtEl>
-                                      </p:cBhvr>
-                                    </p:animEffect>
-                                    <p:anim calcmode="lin" valueType="num">
-                                      <p:cBhvr>
-                                        <p:cTn id="8" dur="1000" fill="hold"/>
-                                        <p:tgtEl>
-                                          <p:spTgt spid="11"/>
-                                        </p:tgtEl>
-                                        <p:attrNameLst>
-                                          <p:attrName>ppt_x</p:attrName>
-                                        </p:attrNameLst>
-                                      </p:cBhvr>
-                                      <p:tavLst>
-                                        <p:tav tm="0">
-                                          <p:val>
-                                            <p:strVal val="#ppt_x"/>
-                                          </p:val>
-                                        </p:tav>
-                                        <p:tav tm="100000">
-                                          <p:val>
-                                            <p:strVal val="#ppt_x"/>
-                                          </p:val>
-                                        </p:tav>
-                                      </p:tavLst>
-                                    </p:anim>
-                                    <p:anim calcmode="lin" valueType="num">
-                                      <p:cBhvr>
-                                        <p:cTn id="9" dur="1000" fill="hold"/>
-                                        <p:tgtEl>
-                                          <p:spTgt spid="11"/>
-                                        </p:tgtEl>
-                                        <p:attrNameLst>
-                                          <p:attrName>ppt_y</p:attrName>
-                                        </p:attrNameLst>
-                                      </p:cBhvr>
-                                      <p:tavLst>
-                                        <p:tav tm="0">
-                                          <p:val>
-                                            <p:strVal val="#ppt_y+.1"/>
-                                          </p:val>
-                                        </p:tav>
-                                        <p:tav tm="100000">
-                                          <p:val>
-                                            <p:strVal val="#ppt_y"/>
-                                          </p:val>
-                                        </p:tav>
-                                      </p:tavLst>
-                                    </p:anim>
-                                  </p:childTnLst>
-                                </p:cTn>
-                              </p:par>
-                            </p:childTnLst>
-                          </p:cTn>
-                        </p:par>
-                      </p:childTnLst>
-                    </p:cTn>
-                  </p:par>
-                </p:childTnLst>
-              </p:cTn>
-              <p:prevCondLst>
-                <p:cond evt="onPrev" delay="0">
-                  <p:tgtEl>
-                    <p:sldTgt/>
-                  </p:tgtEl>
-                </p:cond>
-              </p:prevCondLst>
-              <p:nextCondLst>
-                <p:cond evt="onNext" delay="0">
-                  <p:tgtEl>
-                    <p:sldTgt/>
-                  </p:tgtEl>
-                </p:cond>
-              </p:nextCondLst>
-            </p:seq>
-          </p:childTnLst>
-        </p:cTn>
-      </p:par>
-    </p:tnLst>
-  </p:timing>
 </p:sld>
 </file>
 
@@ -6097,7 +6899,7 @@
           <p:cNvPr id="2" name="제목 1">
             <a:extLst>
               <a:ext uri="{FF2B5EF4-FFF2-40B4-BE49-F238E27FC236}">
-                <a16:creationId xmlns:a16="http://schemas.microsoft.com/office/drawing/2014/main" id="{C7006B36-9857-4E4D-96FF-A8AC69254346}"/>
+                <a16:creationId xmlns:a16="http://schemas.microsoft.com/office/drawing/2014/main" id="{AD1C3D7A-890E-4FB3-B888-472CF2332B4C}"/>
               </a:ext>
             </a:extLst>
           </p:cNvPr>
@@ -6110,30 +6912,61 @@
         </p:nvSpPr>
         <p:spPr/>
         <p:txBody>
-          <a:bodyPr/>
+          <a:bodyPr>
+            <a:normAutofit fontScale="90000"/>
+          </a:bodyPr>
           <a:lstStyle/>
           <a:p>
             <a:r>
+              <a:rPr lang="en-US" altLang="ko-KR" dirty="0"/>
+              <a:t>14</a:t>
+            </a:r>
+            <a:r>
               <a:rPr lang="ko-KR" altLang="en-US" dirty="0"/>
-              <a:t>사회적 문제</a:t>
+              <a:t>년도 이후에는 시험이 </a:t>
+            </a:r>
+            <a:r>
+              <a:rPr lang="ko-KR" altLang="en-US" dirty="0" err="1"/>
+              <a:t>등장헀는데</a:t>
             </a:r>
             <a:r>
               <a:rPr lang="en-US" altLang="ko-KR" dirty="0"/>
-              <a:t>_</a:t>
+              <a:t>, </a:t>
             </a:r>
             <a:r>
               <a:rPr lang="ko-KR" altLang="en-US" dirty="0"/>
-              <a:t>취업률 감소</a:t>
-            </a:r>
+              <a:t>순기능을 못하고있다</a:t>
+            </a:r>
+            <a:r>
+              <a:rPr lang="en-US" altLang="ko-KR" dirty="0"/>
+              <a:t>. (</a:t>
+            </a:r>
+            <a:r>
+              <a:rPr lang="ko-KR" altLang="en-US" dirty="0"/>
+              <a:t>자료로 보여주자</a:t>
+            </a:r>
+            <a:r>
+              <a:rPr lang="en-US" altLang="ko-KR" dirty="0"/>
+              <a:t>) </a:t>
+            </a:r>
+            <a:r>
+              <a:rPr lang="ko-KR" altLang="en-US" dirty="0"/>
+              <a:t>비자 발급받은 외국인의 한국어수준이 낮다</a:t>
+            </a:r>
+            <a:r>
+              <a:rPr lang="en-US" altLang="ko-KR" dirty="0"/>
+              <a:t>. </a:t>
+            </a:r>
+            <a:endParaRPr lang="ko-KR" altLang="en-US" dirty="0"/>
           </a:p>
         </p:txBody>
       </p:sp>
       <p:pic>
         <p:nvPicPr>
-          <p:cNvPr id="4" name="그림 3">
+          <p:cNvPr id="11" name="그림 10">
             <a:extLst>
               <a:ext uri="{FF2B5EF4-FFF2-40B4-BE49-F238E27FC236}">
-                <a16:creationId xmlns:a16="http://schemas.microsoft.com/office/drawing/2014/main" id="{712A441D-AE59-4328-AF39-83B3D3596ED3}"/>
+                <a16:creationId xmlns:a16="http://schemas.microsoft.com/office/drawing/2014/main" id="{7E082195-FB88-4147-8FB7-2312338EB18E}"/>
               </a:ext>
             </a:extLst>
           </p:cNvPr>
@@ -6143,537 +6976,31 @@
           <p:nvPr/>
         </p:nvPicPr>
         <p:blipFill>
-          <a:blip r:embed="rId3"/>
+          <a:blip r:embed="rId2"/>
           <a:stretch>
             <a:fillRect/>
           </a:stretch>
         </p:blipFill>
         <p:spPr>
           <a:xfrm>
-            <a:off x="1075953" y="2500865"/>
-            <a:ext cx="4502520" cy="3000621"/>
+            <a:off x="4600575" y="2500312"/>
+            <a:ext cx="2857500" cy="2486025"/>
           </a:xfrm>
           <a:prstGeom prst="rect">
             <a:avLst/>
           </a:prstGeom>
         </p:spPr>
       </p:pic>
-      <p:grpSp>
-        <p:nvGrpSpPr>
-          <p:cNvPr id="5" name="그룹 4">
-            <a:extLst>
-              <a:ext uri="{FF2B5EF4-FFF2-40B4-BE49-F238E27FC236}">
-                <a16:creationId xmlns:a16="http://schemas.microsoft.com/office/drawing/2014/main" id="{AE2A9BAB-470F-495C-8A55-D66BDFADF7AF}"/>
-              </a:ext>
-            </a:extLst>
-          </p:cNvPr>
-          <p:cNvGrpSpPr/>
-          <p:nvPr/>
-        </p:nvGrpSpPr>
-        <p:grpSpPr>
-          <a:xfrm rot="10800000">
-            <a:off x="5899152" y="1787266"/>
-            <a:ext cx="4324354" cy="3714220"/>
-            <a:chOff x="5899152" y="1787266"/>
-            <a:chExt cx="4324354" cy="3714220"/>
-          </a:xfrm>
-        </p:grpSpPr>
-        <p:sp>
-          <p:nvSpPr>
-            <p:cNvPr id="6" name="화살표: 위쪽 5">
-              <a:extLst>
-                <a:ext uri="{FF2B5EF4-FFF2-40B4-BE49-F238E27FC236}">
-                  <a16:creationId xmlns:a16="http://schemas.microsoft.com/office/drawing/2014/main" id="{744A7E93-F664-4EF1-A4C5-831E281CA3BB}"/>
-                </a:ext>
-              </a:extLst>
-            </p:cNvPr>
-            <p:cNvSpPr/>
-            <p:nvPr/>
-          </p:nvSpPr>
-          <p:spPr>
-            <a:xfrm>
-              <a:off x="5899152" y="3530600"/>
-              <a:ext cx="1227666" cy="1970886"/>
-            </a:xfrm>
-            <a:prstGeom prst="upArrow">
-              <a:avLst/>
-            </a:prstGeom>
-          </p:spPr>
-          <p:style>
-            <a:lnRef idx="2">
-              <a:schemeClr val="accent1">
-                <a:shade val="50000"/>
-              </a:schemeClr>
-            </a:lnRef>
-            <a:fillRef idx="1">
-              <a:schemeClr val="accent1"/>
-            </a:fillRef>
-            <a:effectRef idx="0">
-              <a:schemeClr val="accent1"/>
-            </a:effectRef>
-            <a:fontRef idx="minor">
-              <a:schemeClr val="lt1"/>
-            </a:fontRef>
-          </p:style>
-          <p:txBody>
-            <a:bodyPr rtlCol="0" anchor="ctr"/>
-            <a:lstStyle/>
-            <a:p>
-              <a:pPr algn="ctr"/>
-              <a:endParaRPr lang="ko-KR" altLang="en-US"/>
-            </a:p>
-          </p:txBody>
-        </p:sp>
-        <p:grpSp>
-          <p:nvGrpSpPr>
-            <p:cNvPr id="7" name="그룹 6">
-              <a:extLst>
-                <a:ext uri="{FF2B5EF4-FFF2-40B4-BE49-F238E27FC236}">
-                  <a16:creationId xmlns:a16="http://schemas.microsoft.com/office/drawing/2014/main" id="{0AEA1BC9-0445-4CE5-8B0D-DB8AE3164BF6}"/>
-                </a:ext>
-              </a:extLst>
-            </p:cNvPr>
-            <p:cNvGrpSpPr/>
-            <p:nvPr/>
-          </p:nvGrpSpPr>
-          <p:grpSpPr>
-            <a:xfrm>
-              <a:off x="7447496" y="1787266"/>
-              <a:ext cx="2776010" cy="3714220"/>
-              <a:chOff x="7447496" y="1787266"/>
-              <a:chExt cx="2776010" cy="3714220"/>
-            </a:xfrm>
-          </p:grpSpPr>
-          <p:sp>
-            <p:nvSpPr>
-              <p:cNvPr id="8" name="화살표: 위쪽 7">
-                <a:extLst>
-                  <a:ext uri="{FF2B5EF4-FFF2-40B4-BE49-F238E27FC236}">
-                    <a16:creationId xmlns:a16="http://schemas.microsoft.com/office/drawing/2014/main" id="{B5A7D8C4-1BF1-427A-B206-91126C56458E}"/>
-                  </a:ext>
-                </a:extLst>
-              </p:cNvPr>
-              <p:cNvSpPr/>
-              <p:nvPr/>
-            </p:nvSpPr>
-            <p:spPr>
-              <a:xfrm>
-                <a:off x="7447496" y="2635769"/>
-                <a:ext cx="1227666" cy="2865717"/>
-              </a:xfrm>
-              <a:prstGeom prst="upArrow">
-                <a:avLst/>
-              </a:prstGeom>
-            </p:spPr>
-            <p:style>
-              <a:lnRef idx="2">
-                <a:schemeClr val="accent1">
-                  <a:shade val="50000"/>
-                </a:schemeClr>
-              </a:lnRef>
-              <a:fillRef idx="1">
-                <a:schemeClr val="accent1"/>
-              </a:fillRef>
-              <a:effectRef idx="0">
-                <a:schemeClr val="accent1"/>
-              </a:effectRef>
-              <a:fontRef idx="minor">
-                <a:schemeClr val="lt1"/>
-              </a:fontRef>
-            </p:style>
-            <p:txBody>
-              <a:bodyPr rtlCol="0" anchor="ctr"/>
-              <a:lstStyle/>
-              <a:p>
-                <a:pPr algn="ctr"/>
-                <a:endParaRPr lang="ko-KR" altLang="en-US"/>
-              </a:p>
-            </p:txBody>
-          </p:sp>
-          <p:sp>
-            <p:nvSpPr>
-              <p:cNvPr id="9" name="화살표: 위쪽 8">
-                <a:extLst>
-                  <a:ext uri="{FF2B5EF4-FFF2-40B4-BE49-F238E27FC236}">
-                    <a16:creationId xmlns:a16="http://schemas.microsoft.com/office/drawing/2014/main" id="{52CDCD03-F8A7-44F6-A14E-B500862FB030}"/>
-                  </a:ext>
-                </a:extLst>
-              </p:cNvPr>
-              <p:cNvSpPr/>
-              <p:nvPr/>
-            </p:nvSpPr>
-            <p:spPr>
-              <a:xfrm>
-                <a:off x="8995840" y="1787266"/>
-                <a:ext cx="1227666" cy="3714220"/>
-              </a:xfrm>
-              <a:prstGeom prst="upArrow">
-                <a:avLst/>
-              </a:prstGeom>
-            </p:spPr>
-            <p:style>
-              <a:lnRef idx="2">
-                <a:schemeClr val="accent1">
-                  <a:shade val="50000"/>
-                </a:schemeClr>
-              </a:lnRef>
-              <a:fillRef idx="1">
-                <a:schemeClr val="accent1"/>
-              </a:fillRef>
-              <a:effectRef idx="0">
-                <a:schemeClr val="accent1"/>
-              </a:effectRef>
-              <a:fontRef idx="minor">
-                <a:schemeClr val="lt1"/>
-              </a:fontRef>
-            </p:style>
-            <p:txBody>
-              <a:bodyPr rtlCol="0" anchor="ctr"/>
-              <a:lstStyle/>
-              <a:p>
-                <a:pPr algn="ctr"/>
-                <a:endParaRPr lang="ko-KR" altLang="en-US" dirty="0"/>
-              </a:p>
-            </p:txBody>
-          </p:sp>
-        </p:grpSp>
-      </p:grpSp>
     </p:spTree>
     <p:extLst>
       <p:ext uri="{BB962C8B-B14F-4D97-AF65-F5344CB8AC3E}">
-        <p14:creationId xmlns:p14="http://schemas.microsoft.com/office/powerpoint/2010/main" val="3563633744"/>
+        <p14:creationId xmlns:p14="http://schemas.microsoft.com/office/powerpoint/2010/main" val="2004344235"/>
       </p:ext>
     </p:extLst>
   </p:cSld>
   <p:clrMapOvr>
     <a:masterClrMapping/>
   </p:clrMapOvr>
-  <p:timing>
-    <p:tnLst>
-      <p:par>
-        <p:cTn id="1" dur="indefinite" restart="never" nodeType="tmRoot">
-          <p:childTnLst>
-            <p:seq concurrent="1" nextAc="seek">
-              <p:cTn id="2" dur="indefinite" nodeType="mainSeq">
-                <p:childTnLst>
-                  <p:par>
-                    <p:cTn id="3" fill="hold">
-                      <p:stCondLst>
-                        <p:cond delay="indefinite"/>
-                      </p:stCondLst>
-                      <p:childTnLst>
-                        <p:par>
-                          <p:cTn id="4" fill="hold">
-                            <p:stCondLst>
-                              <p:cond delay="0"/>
-                            </p:stCondLst>
-                            <p:childTnLst>
-                              <p:par>
-                                <p:cTn id="5" presetID="26" presetClass="entr" presetSubtype="0" fill="hold" nodeType="clickEffect">
-                                  <p:stCondLst>
-                                    <p:cond delay="0"/>
-                                  </p:stCondLst>
-                                  <p:childTnLst>
-                                    <p:set>
-                                      <p:cBhvr>
-                                        <p:cTn id="6" dur="1" fill="hold">
-                                          <p:stCondLst>
-                                            <p:cond delay="0"/>
-                                          </p:stCondLst>
-                                        </p:cTn>
-                                        <p:tgtEl>
-                                          <p:spTgt spid="5"/>
-                                        </p:tgtEl>
-                                        <p:attrNameLst>
-                                          <p:attrName>style.visibility</p:attrName>
-                                        </p:attrNameLst>
-                                      </p:cBhvr>
-                                      <p:to>
-                                        <p:strVal val="visible"/>
-                                      </p:to>
-                                    </p:set>
-                                    <p:animEffect transition="in" filter="wipe(down)">
-                                      <p:cBhvr>
-                                        <p:cTn id="7" dur="580">
-                                          <p:stCondLst>
-                                            <p:cond delay="0"/>
-                                          </p:stCondLst>
-                                        </p:cTn>
-                                        <p:tgtEl>
-                                          <p:spTgt spid="5"/>
-                                        </p:tgtEl>
-                                      </p:cBhvr>
-                                    </p:animEffect>
-                                    <p:anim calcmode="lin" valueType="num">
-                                      <p:cBhvr>
-                                        <p:cTn id="8" dur="1822" tmFilter="0,0; 0.14,0.36; 0.43,0.73; 0.71,0.91; 1.0,1.0">
-                                          <p:stCondLst>
-                                            <p:cond delay="0"/>
-                                          </p:stCondLst>
-                                        </p:cTn>
-                                        <p:tgtEl>
-                                          <p:spTgt spid="5"/>
-                                        </p:tgtEl>
-                                        <p:attrNameLst>
-                                          <p:attrName>ppt_x</p:attrName>
-                                        </p:attrNameLst>
-                                      </p:cBhvr>
-                                      <p:tavLst>
-                                        <p:tav tm="0">
-                                          <p:val>
-                                            <p:strVal val="#ppt_x-0.25"/>
-                                          </p:val>
-                                        </p:tav>
-                                        <p:tav tm="100000">
-                                          <p:val>
-                                            <p:strVal val="#ppt_x"/>
-                                          </p:val>
-                                        </p:tav>
-                                      </p:tavLst>
-                                    </p:anim>
-                                    <p:anim calcmode="lin" valueType="num">
-                                      <p:cBhvr>
-                                        <p:cTn id="9" dur="664" tmFilter="0.0,0.0; 0.25,0.07; 0.50,0.2; 0.75,0.467; 1.0,1.0">
-                                          <p:stCondLst>
-                                            <p:cond delay="0"/>
-                                          </p:stCondLst>
-                                        </p:cTn>
-                                        <p:tgtEl>
-                                          <p:spTgt spid="5"/>
-                                        </p:tgtEl>
-                                        <p:attrNameLst>
-                                          <p:attrName>ppt_y</p:attrName>
-                                        </p:attrNameLst>
-                                      </p:cBhvr>
-                                      <p:tavLst>
-                                        <p:tav tm="0" fmla="#ppt_y-sin(pi*$)/3">
-                                          <p:val>
-                                            <p:fltVal val="0.5"/>
-                                          </p:val>
-                                        </p:tav>
-                                        <p:tav tm="100000">
-                                          <p:val>
-                                            <p:fltVal val="1"/>
-                                          </p:val>
-                                        </p:tav>
-                                      </p:tavLst>
-                                    </p:anim>
-                                    <p:anim calcmode="lin" valueType="num">
-                                      <p:cBhvr>
-                                        <p:cTn id="10" dur="664" tmFilter="0, 0; 0.125,0.2665; 0.25,0.4; 0.375,0.465; 0.5,0.5;  0.625,0.535; 0.75,0.6; 0.875,0.7335; 1,1">
-                                          <p:stCondLst>
-                                            <p:cond delay="664"/>
-                                          </p:stCondLst>
-                                        </p:cTn>
-                                        <p:tgtEl>
-                                          <p:spTgt spid="5"/>
-                                        </p:tgtEl>
-                                        <p:attrNameLst>
-                                          <p:attrName>ppt_y</p:attrName>
-                                        </p:attrNameLst>
-                                      </p:cBhvr>
-                                      <p:tavLst>
-                                        <p:tav tm="0" fmla="#ppt_y-sin(pi*$)/9">
-                                          <p:val>
-                                            <p:fltVal val="0"/>
-                                          </p:val>
-                                        </p:tav>
-                                        <p:tav tm="100000">
-                                          <p:val>
-                                            <p:fltVal val="1"/>
-                                          </p:val>
-                                        </p:tav>
-                                      </p:tavLst>
-                                    </p:anim>
-                                    <p:anim calcmode="lin" valueType="num">
-                                      <p:cBhvr>
-                                        <p:cTn id="11" dur="332" tmFilter="0, 0; 0.125,0.2665; 0.25,0.4; 0.375,0.465; 0.5,0.5;  0.625,0.535; 0.75,0.6; 0.875,0.7335; 1,1">
-                                          <p:stCondLst>
-                                            <p:cond delay="1324"/>
-                                          </p:stCondLst>
-                                        </p:cTn>
-                                        <p:tgtEl>
-                                          <p:spTgt spid="5"/>
-                                        </p:tgtEl>
-                                        <p:attrNameLst>
-                                          <p:attrName>ppt_y</p:attrName>
-                                        </p:attrNameLst>
-                                      </p:cBhvr>
-                                      <p:tavLst>
-                                        <p:tav tm="0" fmla="#ppt_y-sin(pi*$)/27">
-                                          <p:val>
-                                            <p:fltVal val="0"/>
-                                          </p:val>
-                                        </p:tav>
-                                        <p:tav tm="100000">
-                                          <p:val>
-                                            <p:fltVal val="1"/>
-                                          </p:val>
-                                        </p:tav>
-                                      </p:tavLst>
-                                    </p:anim>
-                                    <p:anim calcmode="lin" valueType="num">
-                                      <p:cBhvr>
-                                        <p:cTn id="12" dur="164" tmFilter="0, 0; 0.125,0.2665; 0.25,0.4; 0.375,0.465; 0.5,0.5;  0.625,0.535; 0.75,0.6; 0.875,0.7335; 1,1">
-                                          <p:stCondLst>
-                                            <p:cond delay="1656"/>
-                                          </p:stCondLst>
-                                        </p:cTn>
-                                        <p:tgtEl>
-                                          <p:spTgt spid="5"/>
-                                        </p:tgtEl>
-                                        <p:attrNameLst>
-                                          <p:attrName>ppt_y</p:attrName>
-                                        </p:attrNameLst>
-                                      </p:cBhvr>
-                                      <p:tavLst>
-                                        <p:tav tm="0" fmla="#ppt_y-sin(pi*$)/81">
-                                          <p:val>
-                                            <p:fltVal val="0"/>
-                                          </p:val>
-                                        </p:tav>
-                                        <p:tav tm="100000">
-                                          <p:val>
-                                            <p:fltVal val="1"/>
-                                          </p:val>
-                                        </p:tav>
-                                      </p:tavLst>
-                                    </p:anim>
-                                    <p:animScale>
-                                      <p:cBhvr>
-                                        <p:cTn id="13" dur="26">
-                                          <p:stCondLst>
-                                            <p:cond delay="650"/>
-                                          </p:stCondLst>
-                                        </p:cTn>
-                                        <p:tgtEl>
-                                          <p:spTgt spid="5"/>
-                                        </p:tgtEl>
-                                      </p:cBhvr>
-                                      <p:to x="100000" y="60000"/>
-                                    </p:animScale>
-                                    <p:animScale>
-                                      <p:cBhvr>
-                                        <p:cTn id="14" dur="166" decel="50000">
-                                          <p:stCondLst>
-                                            <p:cond delay="676"/>
-                                          </p:stCondLst>
-                                        </p:cTn>
-                                        <p:tgtEl>
-                                          <p:spTgt spid="5"/>
-                                        </p:tgtEl>
-                                      </p:cBhvr>
-                                      <p:to x="100000" y="100000"/>
-                                    </p:animScale>
-                                    <p:animScale>
-                                      <p:cBhvr>
-                                        <p:cTn id="15" dur="26">
-                                          <p:stCondLst>
-                                            <p:cond delay="1312"/>
-                                          </p:stCondLst>
-                                        </p:cTn>
-                                        <p:tgtEl>
-                                          <p:spTgt spid="5"/>
-                                        </p:tgtEl>
-                                      </p:cBhvr>
-                                      <p:to x="100000" y="80000"/>
-                                    </p:animScale>
-                                    <p:animScale>
-                                      <p:cBhvr>
-                                        <p:cTn id="16" dur="166" decel="50000">
-                                          <p:stCondLst>
-                                            <p:cond delay="1338"/>
-                                          </p:stCondLst>
-                                        </p:cTn>
-                                        <p:tgtEl>
-                                          <p:spTgt spid="5"/>
-                                        </p:tgtEl>
-                                      </p:cBhvr>
-                                      <p:to x="100000" y="100000"/>
-                                    </p:animScale>
-                                    <p:animScale>
-                                      <p:cBhvr>
-                                        <p:cTn id="17" dur="26">
-                                          <p:stCondLst>
-                                            <p:cond delay="1642"/>
-                                          </p:stCondLst>
-                                        </p:cTn>
-                                        <p:tgtEl>
-                                          <p:spTgt spid="5"/>
-                                        </p:tgtEl>
-                                      </p:cBhvr>
-                                      <p:to x="100000" y="90000"/>
-                                    </p:animScale>
-                                    <p:animScale>
-                                      <p:cBhvr>
-                                        <p:cTn id="18" dur="166" decel="50000">
-                                          <p:stCondLst>
-                                            <p:cond delay="1668"/>
-                                          </p:stCondLst>
-                                        </p:cTn>
-                                        <p:tgtEl>
-                                          <p:spTgt spid="5"/>
-                                        </p:tgtEl>
-                                      </p:cBhvr>
-                                      <p:to x="100000" y="100000"/>
-                                    </p:animScale>
-                                    <p:animScale>
-                                      <p:cBhvr>
-                                        <p:cTn id="19" dur="26">
-                                          <p:stCondLst>
-                                            <p:cond delay="1808"/>
-                                          </p:stCondLst>
-                                        </p:cTn>
-                                        <p:tgtEl>
-                                          <p:spTgt spid="5"/>
-                                        </p:tgtEl>
-                                      </p:cBhvr>
-                                      <p:to x="100000" y="95000"/>
-                                    </p:animScale>
-                                    <p:animScale>
-                                      <p:cBhvr>
-                                        <p:cTn id="20" dur="166" decel="50000">
-                                          <p:stCondLst>
-                                            <p:cond delay="1834"/>
-                                          </p:stCondLst>
-                                        </p:cTn>
-                                        <p:tgtEl>
-                                          <p:spTgt spid="5"/>
-                                        </p:tgtEl>
-                                      </p:cBhvr>
-                                      <p:to x="100000" y="100000"/>
-                                    </p:animScale>
-                                  </p:childTnLst>
-                                </p:cTn>
-                              </p:par>
-                            </p:childTnLst>
-                          </p:cTn>
-                        </p:par>
-                      </p:childTnLst>
-                    </p:cTn>
-                  </p:par>
-                </p:childTnLst>
-              </p:cTn>
-              <p:prevCondLst>
-                <p:cond evt="onPrev" delay="0">
-                  <p:tgtEl>
-                    <p:sldTgt/>
-                  </p:tgtEl>
-                </p:cond>
-              </p:prevCondLst>
-              <p:nextCondLst>
-                <p:cond evt="onNext" delay="0">
-                  <p:tgtEl>
-                    <p:sldTgt/>
-                  </p:tgtEl>
-                </p:cond>
-              </p:nextCondLst>
-            </p:seq>
-          </p:childTnLst>
-        </p:cTn>
-      </p:par>
-    </p:tnLst>
-  </p:timing>
 </p:sld>
 </file>
 
@@ -6797,7 +7124,7 @@
           <p:cNvPr id="2" name="제목 1">
             <a:extLst>
               <a:ext uri="{FF2B5EF4-FFF2-40B4-BE49-F238E27FC236}">
-                <a16:creationId xmlns:a16="http://schemas.microsoft.com/office/drawing/2014/main" id="{509ACF7A-7628-4FAC-84A0-A7C1CB974E0F}"/>
+                <a16:creationId xmlns:a16="http://schemas.microsoft.com/office/drawing/2014/main" id="{6D31A5A0-F864-4304-9060-9957CBDC5A42}"/>
               </a:ext>
             </a:extLst>
           </p:cNvPr>
@@ -6810,7 +7137,9 @@
         </p:nvSpPr>
         <p:spPr/>
         <p:txBody>
-          <a:bodyPr/>
+          <a:bodyPr>
+            <a:normAutofit/>
+          </a:bodyPr>
           <a:lstStyle/>
           <a:p>
             <a:r>
@@ -6819,148 +7148,46 @@
             </a:r>
             <a:r>
               <a:rPr lang="ko-KR" altLang="en-US" b="1" dirty="0"/>
-              <a:t>아이템</a:t>
-            </a:r>
-            <a:r>
-              <a:rPr lang="ko-KR" altLang="en-US" dirty="0"/>
-              <a:t> </a:t>
-            </a:r>
-            <a:r>
-              <a:rPr lang="en-US" altLang="ko-KR" sz="1800" dirty="0"/>
-              <a:t>(</a:t>
-            </a:r>
-            <a:r>
-              <a:rPr lang="ko-KR" altLang="en-US" sz="1800" dirty="0"/>
-              <a:t>가족회사</a:t>
-            </a:r>
-            <a:r>
-              <a:rPr lang="en-US" altLang="ko-KR" sz="1800" dirty="0"/>
-              <a:t>)</a:t>
-            </a:r>
-            <a:endParaRPr lang="ko-KR" altLang="en-US" sz="1800" dirty="0"/>
-          </a:p>
-        </p:txBody>
-      </p:sp>
-      <p:sp>
-        <p:nvSpPr>
-          <p:cNvPr id="5" name="Rectangle 2">
+              <a:t>아이템구상</a:t>
+            </a:r>
+            <a:endParaRPr lang="ko-KR" altLang="en-US" dirty="0"/>
+          </a:p>
+        </p:txBody>
+      </p:sp>
+      <p:pic>
+        <p:nvPicPr>
+          <p:cNvPr id="6" name="그림 5">
             <a:extLst>
               <a:ext uri="{FF2B5EF4-FFF2-40B4-BE49-F238E27FC236}">
-                <a16:creationId xmlns:a16="http://schemas.microsoft.com/office/drawing/2014/main" id="{6C657668-7987-400C-93C2-937D55D2F431}"/>
+                <a16:creationId xmlns:a16="http://schemas.microsoft.com/office/drawing/2014/main" id="{9DA33C48-896B-428F-A091-724DE3AFDC0E}"/>
               </a:ext>
             </a:extLst>
           </p:cNvPr>
-          <p:cNvSpPr>
-            <a:spLocks noChangeArrowheads="1"/>
-          </p:cNvSpPr>
+          <p:cNvPicPr>
+            <a:picLocks noChangeAspect="1"/>
+          </p:cNvPicPr>
           <p:nvPr/>
-        </p:nvSpPr>
-        <p:spPr bwMode="auto">
+        </p:nvPicPr>
+        <p:blipFill>
+          <a:blip r:embed="rId3"/>
+          <a:stretch>
+            <a:fillRect/>
+          </a:stretch>
+        </p:blipFill>
+        <p:spPr>
           <a:xfrm>
-            <a:off x="3308465" y="1825625"/>
-            <a:ext cx="12192000" cy="457200"/>
+            <a:off x="2033882" y="1935526"/>
+            <a:ext cx="7864262" cy="4423647"/>
           </a:xfrm>
           <a:prstGeom prst="rect">
             <a:avLst/>
           </a:prstGeom>
-          <a:noFill/>
-          <a:ln>
-            <a:noFill/>
-          </a:ln>
-          <a:effectLst/>
-          <a:extLst>
-            <a:ext uri="{909E8E84-426E-40DD-AFC4-6F175D3DCCD1}">
-              <a14:hiddenFill xmlns:a14="http://schemas.microsoft.com/office/drawing/2010/main">
-                <a:solidFill>
-                  <a:schemeClr val="accent1"/>
-                </a:solidFill>
-              </a14:hiddenFill>
-            </a:ext>
-            <a:ext uri="{91240B29-F687-4F45-9708-019B960494DF}">
-              <a14:hiddenLine xmlns:a14="http://schemas.microsoft.com/office/drawing/2010/main" w="9525">
-                <a:solidFill>
-                  <a:schemeClr val="tx1"/>
-                </a:solidFill>
-                <a:miter lim="800000"/>
-                <a:headEnd/>
-                <a:tailEnd/>
-              </a14:hiddenLine>
-            </a:ext>
-            <a:ext uri="{AF507438-7753-43E0-B8FC-AC1667EBCBE1}">
-              <a14:hiddenEffects xmlns:a14="http://schemas.microsoft.com/office/drawing/2010/main">
-                <a:effectLst>
-                  <a:outerShdw dist="35921" dir="2700000" algn="ctr" rotWithShape="0">
-                    <a:schemeClr val="bg2"/>
-                  </a:outerShdw>
-                </a:effectLst>
-              </a14:hiddenEffects>
-            </a:ext>
-          </a:extLst>
-        </p:spPr>
-        <p:txBody>
-          <a:bodyPr vert="horz" wrap="none" lIns="91440" tIns="45720" rIns="91440" bIns="45720" numCol="1" anchor="ctr" anchorCtr="0" compatLnSpc="1">
-            <a:prstTxWarp prst="textNoShape">
-              <a:avLst/>
-            </a:prstTxWarp>
-            <a:spAutoFit/>
-          </a:bodyPr>
-          <a:lstStyle/>
-          <a:p>
-            <a:endParaRPr lang="ko-KR" altLang="en-US"/>
-          </a:p>
-        </p:txBody>
-      </p:sp>
-      <p:pic>
-        <p:nvPicPr>
-          <p:cNvPr id="1025" name="_x387396840" descr="EMB00003de430d8">
-            <a:extLst>
-              <a:ext uri="{FF2B5EF4-FFF2-40B4-BE49-F238E27FC236}">
-                <a16:creationId xmlns:a16="http://schemas.microsoft.com/office/drawing/2014/main" id="{ECAD5931-99A5-4194-8021-801C2A47D9C8}"/>
-              </a:ext>
-            </a:extLst>
-          </p:cNvPr>
-          <p:cNvPicPr>
-            <a:picLocks noChangeAspect="1" noChangeArrowheads="1"/>
-          </p:cNvPicPr>
-          <p:nvPr/>
-        </p:nvPicPr>
-        <p:blipFill>
-          <a:blip r:embed="rId3">
-            <a:extLst>
-              <a:ext uri="{28A0092B-C50C-407E-A947-70E740481C1C}">
-                <a14:useLocalDpi xmlns:a14="http://schemas.microsoft.com/office/drawing/2010/main" val="0"/>
-              </a:ext>
-            </a:extLst>
-          </a:blip>
-          <a:srcRect/>
-          <a:stretch>
-            <a:fillRect/>
-          </a:stretch>
-        </p:blipFill>
-        <p:spPr bwMode="auto">
-          <a:xfrm>
-            <a:off x="4005262" y="2282825"/>
-            <a:ext cx="4181475" cy="3800475"/>
-          </a:xfrm>
-          <a:prstGeom prst="rect">
-            <a:avLst/>
-          </a:prstGeom>
-          <a:noFill/>
-          <a:extLst>
-            <a:ext uri="{909E8E84-426E-40DD-AFC4-6F175D3DCCD1}">
-              <a14:hiddenFill xmlns:a14="http://schemas.microsoft.com/office/drawing/2010/main">
-                <a:solidFill>
-                  <a:srgbClr val="FFFFFF"/>
-                </a:solidFill>
-              </a14:hiddenFill>
-            </a:ext>
-          </a:extLst>
         </p:spPr>
       </p:pic>
     </p:spTree>
     <p:extLst>
       <p:ext uri="{BB962C8B-B14F-4D97-AF65-F5344CB8AC3E}">
-        <p14:creationId xmlns:p14="http://schemas.microsoft.com/office/powerpoint/2010/main" val="2598923840"/>
+        <p14:creationId xmlns:p14="http://schemas.microsoft.com/office/powerpoint/2010/main" val="90952513"/>
       </p:ext>
     </p:extLst>
   </p:cSld>
@@ -7003,7 +7230,12 @@
             <p:ph type="title"/>
           </p:nvPr>
         </p:nvSpPr>
-        <p:spPr/>
+        <p:spPr>
+          <a:xfrm>
+            <a:off x="896389" y="64112"/>
+            <a:ext cx="10515600" cy="1325563"/>
+          </a:xfrm>
+        </p:spPr>
         <p:txBody>
           <a:bodyPr>
             <a:normAutofit/>
@@ -7895,7 +8127,7 @@
           <p:cNvPr id="2" name="제목 1">
             <a:extLst>
               <a:ext uri="{FF2B5EF4-FFF2-40B4-BE49-F238E27FC236}">
-                <a16:creationId xmlns:a16="http://schemas.microsoft.com/office/drawing/2014/main" id="{6D31A5A0-F864-4304-9060-9957CBDC5A42}"/>
+                <a16:creationId xmlns:a16="http://schemas.microsoft.com/office/drawing/2014/main" id="{1ABAA3C9-8A15-47C8-9AA0-E3B1A6286FA1}"/>
               </a:ext>
             </a:extLst>
           </p:cNvPr>
@@ -7915,58 +8147,128 @@
           <a:p>
             <a:r>
               <a:rPr lang="ko-KR" altLang="en-US" dirty="0"/>
-              <a:t>사회적문제</a:t>
+              <a:t>향후</a:t>
             </a:r>
             <a:r>
               <a:rPr lang="ko-KR" altLang="en-US" b="1" dirty="0"/>
-              <a:t>해결방안</a:t>
-            </a:r>
-            <a:r>
-              <a:rPr lang="en-US" altLang="ko-KR" b="1" dirty="0"/>
-              <a:t>_</a:t>
+              <a:t>목표 </a:t>
+            </a:r>
+            <a:r>
+              <a:rPr lang="ko-KR" altLang="en-US" dirty="0"/>
+              <a:t>및 </a:t>
             </a:r>
             <a:r>
               <a:rPr lang="ko-KR" altLang="en-US" b="1" dirty="0"/>
-              <a:t>샘플</a:t>
+              <a:t>포부</a:t>
             </a:r>
             <a:endParaRPr lang="ko-KR" altLang="en-US" dirty="0"/>
           </a:p>
         </p:txBody>
       </p:sp>
-      <p:pic>
-        <p:nvPicPr>
-          <p:cNvPr id="6" name="그림 5">
+      <p:sp>
+        <p:nvSpPr>
+          <p:cNvPr id="23" name="직사각형 22">
             <a:extLst>
               <a:ext uri="{FF2B5EF4-FFF2-40B4-BE49-F238E27FC236}">
-                <a16:creationId xmlns:a16="http://schemas.microsoft.com/office/drawing/2014/main" id="{9DA33C48-896B-428F-A091-724DE3AFDC0E}"/>
+                <a16:creationId xmlns:a16="http://schemas.microsoft.com/office/drawing/2014/main" id="{3CA21106-1D4E-4094-A23D-B7150CA00940}"/>
               </a:ext>
             </a:extLst>
           </p:cNvPr>
-          <p:cNvPicPr>
-            <a:picLocks noChangeAspect="1"/>
-          </p:cNvPicPr>
+          <p:cNvSpPr/>
           <p:nvPr/>
-        </p:nvPicPr>
-        <p:blipFill>
-          <a:blip r:embed="rId3"/>
-          <a:stretch>
-            <a:fillRect/>
-          </a:stretch>
-        </p:blipFill>
+        </p:nvSpPr>
         <p:spPr>
           <a:xfrm>
-            <a:off x="2033882" y="1935526"/>
-            <a:ext cx="7864262" cy="4423647"/>
+            <a:off x="1345787" y="3889839"/>
+            <a:ext cx="9367423" cy="1484774"/>
           </a:xfrm>
           <a:prstGeom prst="rect">
             <a:avLst/>
           </a:prstGeom>
         </p:spPr>
-      </p:pic>
+        <p:style>
+          <a:lnRef idx="2">
+            <a:schemeClr val="accent1">
+              <a:shade val="50000"/>
+            </a:schemeClr>
+          </a:lnRef>
+          <a:fillRef idx="1">
+            <a:schemeClr val="accent1"/>
+          </a:fillRef>
+          <a:effectRef idx="0">
+            <a:schemeClr val="accent1"/>
+          </a:effectRef>
+          <a:fontRef idx="minor">
+            <a:schemeClr val="lt1"/>
+          </a:fontRef>
+        </p:style>
+        <p:txBody>
+          <a:bodyPr rtlCol="0" anchor="ctr"/>
+          <a:lstStyle/>
+          <a:p>
+            <a:pPr algn="ctr"/>
+            <a:r>
+              <a:rPr lang="ko-KR" altLang="en-US" dirty="0"/>
+              <a:t>외국인 주민들의 언어 소통문제 해결</a:t>
+            </a:r>
+            <a:endParaRPr lang="en-US" altLang="ko-KR" dirty="0"/>
+          </a:p>
+        </p:txBody>
+      </p:sp>
+      <p:sp>
+        <p:nvSpPr>
+          <p:cNvPr id="3" name="직사각형 2">
+            <a:extLst>
+              <a:ext uri="{FF2B5EF4-FFF2-40B4-BE49-F238E27FC236}">
+                <a16:creationId xmlns:a16="http://schemas.microsoft.com/office/drawing/2014/main" id="{DCB8E473-0360-4693-AF04-20E1EF6513EF}"/>
+              </a:ext>
+            </a:extLst>
+          </p:cNvPr>
+          <p:cNvSpPr/>
+          <p:nvPr/>
+        </p:nvSpPr>
+        <p:spPr>
+          <a:xfrm>
+            <a:off x="1345786" y="1753929"/>
+            <a:ext cx="9367424" cy="1246910"/>
+          </a:xfrm>
+          <a:prstGeom prst="rect">
+            <a:avLst/>
+          </a:prstGeom>
+        </p:spPr>
+        <p:style>
+          <a:lnRef idx="2">
+            <a:schemeClr val="accent1">
+              <a:shade val="50000"/>
+            </a:schemeClr>
+          </a:lnRef>
+          <a:fillRef idx="1">
+            <a:schemeClr val="accent1"/>
+          </a:fillRef>
+          <a:effectRef idx="0">
+            <a:schemeClr val="accent1"/>
+          </a:effectRef>
+          <a:fontRef idx="minor">
+            <a:schemeClr val="lt1"/>
+          </a:fontRef>
+        </p:style>
+        <p:txBody>
+          <a:bodyPr rtlCol="0" anchor="ctr"/>
+          <a:lstStyle/>
+          <a:p>
+            <a:pPr algn="ctr"/>
+            <a:r>
+              <a:rPr lang="ko-KR" altLang="en-US" dirty="0"/>
+              <a:t>모든 외국인들의 한글교육 시발점</a:t>
+            </a:r>
+            <a:endParaRPr lang="en-US" altLang="ko-KR" dirty="0"/>
+          </a:p>
+        </p:txBody>
+      </p:sp>
     </p:spTree>
     <p:extLst>
       <p:ext uri="{BB962C8B-B14F-4D97-AF65-F5344CB8AC3E}">
-        <p14:creationId xmlns:p14="http://schemas.microsoft.com/office/powerpoint/2010/main" val="90952513"/>
+        <p14:creationId xmlns:p14="http://schemas.microsoft.com/office/powerpoint/2010/main" val="3601014804"/>
       </p:ext>
     </p:extLst>
   </p:cSld>
